--- a/Relatorio/Imagens.pptx
+++ b/Relatorio/Imagens.pptx
@@ -9,6 +9,11 @@
     <p:sldId id="257" r:id="rId3"/>
     <p:sldId id="258" r:id="rId4"/>
     <p:sldId id="259" r:id="rId5"/>
+    <p:sldId id="260" r:id="rId6"/>
+    <p:sldId id="261" r:id="rId7"/>
+    <p:sldId id="262" r:id="rId8"/>
+    <p:sldId id="263" r:id="rId9"/>
+    <p:sldId id="264" r:id="rId10"/>
   </p:sldIdLst>
   <p:sldSz cx="12192000" cy="6858000"/>
   <p:notesSz cx="6858000" cy="9144000"/>
@@ -107,6 +112,11 @@
       </a:defRPr>
     </a:lvl9pPr>
   </p:defaultTextStyle>
+  <p:extLst>
+    <p:ext uri="{EFAFB233-063F-42B5-8137-9DF3F51BA10A}">
+      <p15:sldGuideLst xmlns:p15="http://schemas.microsoft.com/office/powerpoint/2012/main"/>
+    </p:ext>
+  </p:extLst>
 </p:presentation>
 </file>
 
@@ -257,7 +267,7 @@
           <a:p>
             <a:fld id="{288D8905-2724-49C2-A645-FD965E6C5596}" type="datetimeFigureOut">
               <a:rPr lang="pt-PT" smtClean="0"/>
-              <a:t>10/02/2020</a:t>
+              <a:t>11/02/2020</a:t>
             </a:fld>
             <a:endParaRPr lang="pt-PT"/>
           </a:p>
@@ -455,7 +465,7 @@
           <a:p>
             <a:fld id="{288D8905-2724-49C2-A645-FD965E6C5596}" type="datetimeFigureOut">
               <a:rPr lang="pt-PT" smtClean="0"/>
-              <a:t>10/02/2020</a:t>
+              <a:t>11/02/2020</a:t>
             </a:fld>
             <a:endParaRPr lang="pt-PT"/>
           </a:p>
@@ -663,7 +673,7 @@
           <a:p>
             <a:fld id="{288D8905-2724-49C2-A645-FD965E6C5596}" type="datetimeFigureOut">
               <a:rPr lang="pt-PT" smtClean="0"/>
-              <a:t>10/02/2020</a:t>
+              <a:t>11/02/2020</a:t>
             </a:fld>
             <a:endParaRPr lang="pt-PT"/>
           </a:p>
@@ -861,7 +871,7 @@
           <a:p>
             <a:fld id="{288D8905-2724-49C2-A645-FD965E6C5596}" type="datetimeFigureOut">
               <a:rPr lang="pt-PT" smtClean="0"/>
-              <a:t>10/02/2020</a:t>
+              <a:t>11/02/2020</a:t>
             </a:fld>
             <a:endParaRPr lang="pt-PT"/>
           </a:p>
@@ -1136,7 +1146,7 @@
           <a:p>
             <a:fld id="{288D8905-2724-49C2-A645-FD965E6C5596}" type="datetimeFigureOut">
               <a:rPr lang="pt-PT" smtClean="0"/>
-              <a:t>10/02/2020</a:t>
+              <a:t>11/02/2020</a:t>
             </a:fld>
             <a:endParaRPr lang="pt-PT"/>
           </a:p>
@@ -1401,7 +1411,7 @@
           <a:p>
             <a:fld id="{288D8905-2724-49C2-A645-FD965E6C5596}" type="datetimeFigureOut">
               <a:rPr lang="pt-PT" smtClean="0"/>
-              <a:t>10/02/2020</a:t>
+              <a:t>11/02/2020</a:t>
             </a:fld>
             <a:endParaRPr lang="pt-PT"/>
           </a:p>
@@ -1813,7 +1823,7 @@
           <a:p>
             <a:fld id="{288D8905-2724-49C2-A645-FD965E6C5596}" type="datetimeFigureOut">
               <a:rPr lang="pt-PT" smtClean="0"/>
-              <a:t>10/02/2020</a:t>
+              <a:t>11/02/2020</a:t>
             </a:fld>
             <a:endParaRPr lang="pt-PT"/>
           </a:p>
@@ -1954,7 +1964,7 @@
           <a:p>
             <a:fld id="{288D8905-2724-49C2-A645-FD965E6C5596}" type="datetimeFigureOut">
               <a:rPr lang="pt-PT" smtClean="0"/>
-              <a:t>10/02/2020</a:t>
+              <a:t>11/02/2020</a:t>
             </a:fld>
             <a:endParaRPr lang="pt-PT"/>
           </a:p>
@@ -2067,7 +2077,7 @@
           <a:p>
             <a:fld id="{288D8905-2724-49C2-A645-FD965E6C5596}" type="datetimeFigureOut">
               <a:rPr lang="pt-PT" smtClean="0"/>
-              <a:t>10/02/2020</a:t>
+              <a:t>11/02/2020</a:t>
             </a:fld>
             <a:endParaRPr lang="pt-PT"/>
           </a:p>
@@ -2378,7 +2388,7 @@
           <a:p>
             <a:fld id="{288D8905-2724-49C2-A645-FD965E6C5596}" type="datetimeFigureOut">
               <a:rPr lang="pt-PT" smtClean="0"/>
-              <a:t>10/02/2020</a:t>
+              <a:t>11/02/2020</a:t>
             </a:fld>
             <a:endParaRPr lang="pt-PT"/>
           </a:p>
@@ -2666,7 +2676,7 @@
           <a:p>
             <a:fld id="{288D8905-2724-49C2-A645-FD965E6C5596}" type="datetimeFigureOut">
               <a:rPr lang="pt-PT" smtClean="0"/>
-              <a:t>10/02/2020</a:t>
+              <a:t>11/02/2020</a:t>
             </a:fld>
             <a:endParaRPr lang="pt-PT"/>
           </a:p>
@@ -2907,7 +2917,7 @@
           <a:p>
             <a:fld id="{288D8905-2724-49C2-A645-FD965E6C5596}" type="datetimeFigureOut">
               <a:rPr lang="pt-PT" smtClean="0"/>
-              <a:t>10/02/2020</a:t>
+              <a:t>11/02/2020</a:t>
             </a:fld>
             <a:endParaRPr lang="pt-PT"/>
           </a:p>
@@ -6082,6 +6092,1419 @@
 </p:sld>
 </file>
 
+<file path=ppt/slides/slide5.xml><?xml version="1.0" encoding="utf-8"?>
+<p:sld xmlns:a="http://schemas.openxmlformats.org/drawingml/2006/main" xmlns:r="http://schemas.openxmlformats.org/officeDocument/2006/relationships" xmlns:p="http://schemas.openxmlformats.org/presentationml/2006/main">
+  <p:cSld>
+    <p:spTree>
+      <p:nvGrpSpPr>
+        <p:cNvPr id="1" name=""/>
+        <p:cNvGrpSpPr/>
+        <p:nvPr/>
+      </p:nvGrpSpPr>
+      <p:grpSpPr>
+        <a:xfrm>
+          <a:off x="0" y="0"/>
+          <a:ext cx="0" cy="0"/>
+          <a:chOff x="0" y="0"/>
+          <a:chExt cx="0" cy="0"/>
+        </a:xfrm>
+      </p:grpSpPr>
+      <p:pic>
+        <p:nvPicPr>
+          <p:cNvPr id="8" name="Imagem 7">
+            <a:extLst>
+              <a:ext uri="{FF2B5EF4-FFF2-40B4-BE49-F238E27FC236}">
+                <a16:creationId xmlns:a16="http://schemas.microsoft.com/office/drawing/2014/main" id="{7D72782B-E068-4FB5-B314-EA03DF2B24DF}"/>
+              </a:ext>
+            </a:extLst>
+          </p:cNvPr>
+          <p:cNvPicPr>
+            <a:picLocks noChangeAspect="1"/>
+          </p:cNvPicPr>
+          <p:nvPr/>
+        </p:nvPicPr>
+        <p:blipFill>
+          <a:blip r:embed="rId2"/>
+          <a:stretch>
+            <a:fillRect/>
+          </a:stretch>
+        </p:blipFill>
+        <p:spPr>
+          <a:xfrm>
+            <a:off x="0" y="158518"/>
+            <a:ext cx="12192000" cy="6540964"/>
+          </a:xfrm>
+          <a:prstGeom prst="rect">
+            <a:avLst/>
+          </a:prstGeom>
+        </p:spPr>
+      </p:pic>
+      <p:sp>
+        <p:nvSpPr>
+          <p:cNvPr id="5" name="Oval 4">
+            <a:extLst>
+              <a:ext uri="{FF2B5EF4-FFF2-40B4-BE49-F238E27FC236}">
+                <a16:creationId xmlns:a16="http://schemas.microsoft.com/office/drawing/2014/main" id="{53C9A093-5C7B-43EE-8C35-2E5DF63560C1}"/>
+              </a:ext>
+            </a:extLst>
+          </p:cNvPr>
+          <p:cNvSpPr/>
+          <p:nvPr/>
+        </p:nvSpPr>
+        <p:spPr>
+          <a:xfrm>
+            <a:off x="0" y="373716"/>
+            <a:ext cx="190500" cy="209550"/>
+          </a:xfrm>
+          <a:prstGeom prst="ellipse">
+            <a:avLst/>
+          </a:prstGeom>
+          <a:solidFill>
+            <a:schemeClr val="bg1"/>
+          </a:solidFill>
+          <a:ln w="38100">
+            <a:solidFill>
+              <a:srgbClr val="FF0000"/>
+            </a:solidFill>
+          </a:ln>
+        </p:spPr>
+        <p:style>
+          <a:lnRef idx="2">
+            <a:schemeClr val="accent1">
+              <a:shade val="50000"/>
+            </a:schemeClr>
+          </a:lnRef>
+          <a:fillRef idx="1">
+            <a:schemeClr val="accent1"/>
+          </a:fillRef>
+          <a:effectRef idx="0">
+            <a:schemeClr val="accent1"/>
+          </a:effectRef>
+          <a:fontRef idx="minor">
+            <a:schemeClr val="lt1"/>
+          </a:fontRef>
+        </p:style>
+        <p:txBody>
+          <a:bodyPr rtlCol="0" anchor="ctr"/>
+          <a:lstStyle/>
+          <a:p>
+            <a:pPr algn="ctr"/>
+            <a:r>
+              <a:rPr lang="pt-PT" sz="1100" dirty="0">
+                <a:solidFill>
+                  <a:schemeClr val="tx1"/>
+                </a:solidFill>
+              </a:rPr>
+              <a:t>1</a:t>
+            </a:r>
+          </a:p>
+        </p:txBody>
+      </p:sp>
+      <p:sp>
+        <p:nvSpPr>
+          <p:cNvPr id="6" name="Oval 5">
+            <a:extLst>
+              <a:ext uri="{FF2B5EF4-FFF2-40B4-BE49-F238E27FC236}">
+                <a16:creationId xmlns:a16="http://schemas.microsoft.com/office/drawing/2014/main" id="{993BD2F3-2D7F-4FCF-A96B-C926B84BCDFD}"/>
+              </a:ext>
+            </a:extLst>
+          </p:cNvPr>
+          <p:cNvSpPr/>
+          <p:nvPr/>
+        </p:nvSpPr>
+        <p:spPr>
+          <a:xfrm>
+            <a:off x="1921249" y="373716"/>
+            <a:ext cx="190500" cy="209550"/>
+          </a:xfrm>
+          <a:prstGeom prst="ellipse">
+            <a:avLst/>
+          </a:prstGeom>
+          <a:solidFill>
+            <a:schemeClr val="bg1"/>
+          </a:solidFill>
+          <a:ln w="38100">
+            <a:solidFill>
+              <a:srgbClr val="FF0000"/>
+            </a:solidFill>
+          </a:ln>
+        </p:spPr>
+        <p:style>
+          <a:lnRef idx="2">
+            <a:schemeClr val="accent1">
+              <a:shade val="50000"/>
+            </a:schemeClr>
+          </a:lnRef>
+          <a:fillRef idx="1">
+            <a:schemeClr val="accent1"/>
+          </a:fillRef>
+          <a:effectRef idx="0">
+            <a:schemeClr val="accent1"/>
+          </a:effectRef>
+          <a:fontRef idx="minor">
+            <a:schemeClr val="lt1"/>
+          </a:fontRef>
+        </p:style>
+        <p:txBody>
+          <a:bodyPr rtlCol="0" anchor="ctr"/>
+          <a:lstStyle/>
+          <a:p>
+            <a:pPr algn="ctr"/>
+            <a:r>
+              <a:rPr lang="pt-PT" sz="1100" dirty="0">
+                <a:solidFill>
+                  <a:schemeClr val="tx1"/>
+                </a:solidFill>
+              </a:rPr>
+              <a:t>2</a:t>
+            </a:r>
+          </a:p>
+        </p:txBody>
+      </p:sp>
+      <p:sp>
+        <p:nvSpPr>
+          <p:cNvPr id="7" name="Oval 6">
+            <a:extLst>
+              <a:ext uri="{FF2B5EF4-FFF2-40B4-BE49-F238E27FC236}">
+                <a16:creationId xmlns:a16="http://schemas.microsoft.com/office/drawing/2014/main" id="{4C1FB909-B2CD-4EB1-A488-27AA3F914AA3}"/>
+              </a:ext>
+            </a:extLst>
+          </p:cNvPr>
+          <p:cNvSpPr/>
+          <p:nvPr/>
+        </p:nvSpPr>
+        <p:spPr>
+          <a:xfrm>
+            <a:off x="415178" y="741269"/>
+            <a:ext cx="190500" cy="209550"/>
+          </a:xfrm>
+          <a:prstGeom prst="ellipse">
+            <a:avLst/>
+          </a:prstGeom>
+          <a:solidFill>
+            <a:schemeClr val="bg1"/>
+          </a:solidFill>
+          <a:ln w="38100">
+            <a:solidFill>
+              <a:srgbClr val="FF0000"/>
+            </a:solidFill>
+          </a:ln>
+        </p:spPr>
+        <p:style>
+          <a:lnRef idx="2">
+            <a:schemeClr val="accent1">
+              <a:shade val="50000"/>
+            </a:schemeClr>
+          </a:lnRef>
+          <a:fillRef idx="1">
+            <a:schemeClr val="accent1"/>
+          </a:fillRef>
+          <a:effectRef idx="0">
+            <a:schemeClr val="accent1"/>
+          </a:effectRef>
+          <a:fontRef idx="minor">
+            <a:schemeClr val="lt1"/>
+          </a:fontRef>
+        </p:style>
+        <p:txBody>
+          <a:bodyPr rtlCol="0" anchor="ctr"/>
+          <a:lstStyle/>
+          <a:p>
+            <a:pPr algn="ctr"/>
+            <a:r>
+              <a:rPr lang="pt-PT" sz="1100" dirty="0">
+                <a:solidFill>
+                  <a:schemeClr val="tx1"/>
+                </a:solidFill>
+              </a:rPr>
+              <a:t>3</a:t>
+            </a:r>
+          </a:p>
+        </p:txBody>
+      </p:sp>
+      <p:sp>
+        <p:nvSpPr>
+          <p:cNvPr id="10" name="Oval 9">
+            <a:extLst>
+              <a:ext uri="{FF2B5EF4-FFF2-40B4-BE49-F238E27FC236}">
+                <a16:creationId xmlns:a16="http://schemas.microsoft.com/office/drawing/2014/main" id="{15CAADAB-B40F-499B-8ED9-DDBE73E58422}"/>
+              </a:ext>
+            </a:extLst>
+          </p:cNvPr>
+          <p:cNvSpPr/>
+          <p:nvPr/>
+        </p:nvSpPr>
+        <p:spPr>
+          <a:xfrm>
+            <a:off x="95250" y="1027019"/>
+            <a:ext cx="190500" cy="209550"/>
+          </a:xfrm>
+          <a:prstGeom prst="ellipse">
+            <a:avLst/>
+          </a:prstGeom>
+          <a:solidFill>
+            <a:schemeClr val="bg1"/>
+          </a:solidFill>
+          <a:ln w="38100">
+            <a:solidFill>
+              <a:srgbClr val="FF0000"/>
+            </a:solidFill>
+          </a:ln>
+        </p:spPr>
+        <p:style>
+          <a:lnRef idx="2">
+            <a:schemeClr val="accent1">
+              <a:shade val="50000"/>
+            </a:schemeClr>
+          </a:lnRef>
+          <a:fillRef idx="1">
+            <a:schemeClr val="accent1"/>
+          </a:fillRef>
+          <a:effectRef idx="0">
+            <a:schemeClr val="accent1"/>
+          </a:effectRef>
+          <a:fontRef idx="minor">
+            <a:schemeClr val="lt1"/>
+          </a:fontRef>
+        </p:style>
+        <p:txBody>
+          <a:bodyPr rtlCol="0" anchor="ctr"/>
+          <a:lstStyle/>
+          <a:p>
+            <a:pPr algn="ctr"/>
+            <a:r>
+              <a:rPr lang="pt-PT" sz="1100" dirty="0">
+                <a:solidFill>
+                  <a:schemeClr val="tx1"/>
+                </a:solidFill>
+              </a:rPr>
+              <a:t>4</a:t>
+            </a:r>
+          </a:p>
+        </p:txBody>
+      </p:sp>
+      <p:sp>
+        <p:nvSpPr>
+          <p:cNvPr id="11" name="Oval 10">
+            <a:extLst>
+              <a:ext uri="{FF2B5EF4-FFF2-40B4-BE49-F238E27FC236}">
+                <a16:creationId xmlns:a16="http://schemas.microsoft.com/office/drawing/2014/main" id="{21A015BB-8B6A-42BC-B155-0D4F685D7560}"/>
+              </a:ext>
+            </a:extLst>
+          </p:cNvPr>
+          <p:cNvSpPr/>
+          <p:nvPr/>
+        </p:nvSpPr>
+        <p:spPr>
+          <a:xfrm>
+            <a:off x="224678" y="1394572"/>
+            <a:ext cx="190500" cy="209550"/>
+          </a:xfrm>
+          <a:prstGeom prst="ellipse">
+            <a:avLst/>
+          </a:prstGeom>
+          <a:solidFill>
+            <a:schemeClr val="bg1"/>
+          </a:solidFill>
+          <a:ln w="38100">
+            <a:solidFill>
+              <a:srgbClr val="FF0000"/>
+            </a:solidFill>
+          </a:ln>
+        </p:spPr>
+        <p:style>
+          <a:lnRef idx="2">
+            <a:schemeClr val="accent1">
+              <a:shade val="50000"/>
+            </a:schemeClr>
+          </a:lnRef>
+          <a:fillRef idx="1">
+            <a:schemeClr val="accent1"/>
+          </a:fillRef>
+          <a:effectRef idx="0">
+            <a:schemeClr val="accent1"/>
+          </a:effectRef>
+          <a:fontRef idx="minor">
+            <a:schemeClr val="lt1"/>
+          </a:fontRef>
+        </p:style>
+        <p:txBody>
+          <a:bodyPr rtlCol="0" anchor="ctr"/>
+          <a:lstStyle/>
+          <a:p>
+            <a:pPr algn="ctr"/>
+            <a:r>
+              <a:rPr lang="pt-PT" sz="1100" dirty="0">
+                <a:solidFill>
+                  <a:schemeClr val="tx1"/>
+                </a:solidFill>
+              </a:rPr>
+              <a:t>6</a:t>
+            </a:r>
+          </a:p>
+        </p:txBody>
+      </p:sp>
+      <p:sp>
+        <p:nvSpPr>
+          <p:cNvPr id="12" name="Oval 11">
+            <a:extLst>
+              <a:ext uri="{FF2B5EF4-FFF2-40B4-BE49-F238E27FC236}">
+                <a16:creationId xmlns:a16="http://schemas.microsoft.com/office/drawing/2014/main" id="{8281AC01-D4AC-472B-BB09-6338C7875E08}"/>
+              </a:ext>
+            </a:extLst>
+          </p:cNvPr>
+          <p:cNvSpPr/>
+          <p:nvPr/>
+        </p:nvSpPr>
+        <p:spPr>
+          <a:xfrm>
+            <a:off x="1581150" y="2131919"/>
+            <a:ext cx="190500" cy="209550"/>
+          </a:xfrm>
+          <a:prstGeom prst="ellipse">
+            <a:avLst/>
+          </a:prstGeom>
+          <a:solidFill>
+            <a:schemeClr val="bg1"/>
+          </a:solidFill>
+          <a:ln w="38100">
+            <a:solidFill>
+              <a:srgbClr val="FF0000"/>
+            </a:solidFill>
+          </a:ln>
+        </p:spPr>
+        <p:style>
+          <a:lnRef idx="2">
+            <a:schemeClr val="accent1">
+              <a:shade val="50000"/>
+            </a:schemeClr>
+          </a:lnRef>
+          <a:fillRef idx="1">
+            <a:schemeClr val="accent1"/>
+          </a:fillRef>
+          <a:effectRef idx="0">
+            <a:schemeClr val="accent1"/>
+          </a:effectRef>
+          <a:fontRef idx="minor">
+            <a:schemeClr val="lt1"/>
+          </a:fontRef>
+        </p:style>
+        <p:txBody>
+          <a:bodyPr rtlCol="0" anchor="ctr"/>
+          <a:lstStyle/>
+          <a:p>
+            <a:pPr algn="ctr"/>
+            <a:r>
+              <a:rPr lang="pt-PT" sz="1100" dirty="0">
+                <a:solidFill>
+                  <a:schemeClr val="tx1"/>
+                </a:solidFill>
+              </a:rPr>
+              <a:t>7</a:t>
+            </a:r>
+          </a:p>
+        </p:txBody>
+      </p:sp>
+      <p:sp>
+        <p:nvSpPr>
+          <p:cNvPr id="13" name="Oval 12">
+            <a:extLst>
+              <a:ext uri="{FF2B5EF4-FFF2-40B4-BE49-F238E27FC236}">
+                <a16:creationId xmlns:a16="http://schemas.microsoft.com/office/drawing/2014/main" id="{22FC64E1-0547-4289-8D70-3F39A46FFD64}"/>
+              </a:ext>
+            </a:extLst>
+          </p:cNvPr>
+          <p:cNvSpPr/>
+          <p:nvPr/>
+        </p:nvSpPr>
+        <p:spPr>
+          <a:xfrm>
+            <a:off x="3190875" y="846044"/>
+            <a:ext cx="190500" cy="209550"/>
+          </a:xfrm>
+          <a:prstGeom prst="ellipse">
+            <a:avLst/>
+          </a:prstGeom>
+          <a:solidFill>
+            <a:schemeClr val="bg1"/>
+          </a:solidFill>
+          <a:ln w="38100">
+            <a:solidFill>
+              <a:srgbClr val="FF0000"/>
+            </a:solidFill>
+          </a:ln>
+        </p:spPr>
+        <p:style>
+          <a:lnRef idx="2">
+            <a:schemeClr val="accent1">
+              <a:shade val="50000"/>
+            </a:schemeClr>
+          </a:lnRef>
+          <a:fillRef idx="1">
+            <a:schemeClr val="accent1"/>
+          </a:fillRef>
+          <a:effectRef idx="0">
+            <a:schemeClr val="accent1"/>
+          </a:effectRef>
+          <a:fontRef idx="minor">
+            <a:schemeClr val="lt1"/>
+          </a:fontRef>
+        </p:style>
+        <p:txBody>
+          <a:bodyPr rtlCol="0" anchor="ctr"/>
+          <a:lstStyle/>
+          <a:p>
+            <a:pPr algn="ctr"/>
+            <a:r>
+              <a:rPr lang="pt-PT" sz="1100" dirty="0">
+                <a:solidFill>
+                  <a:schemeClr val="tx1"/>
+                </a:solidFill>
+              </a:rPr>
+              <a:t>5</a:t>
+            </a:r>
+          </a:p>
+        </p:txBody>
+      </p:sp>
+      <p:sp>
+        <p:nvSpPr>
+          <p:cNvPr id="14" name="Oval 13">
+            <a:extLst>
+              <a:ext uri="{FF2B5EF4-FFF2-40B4-BE49-F238E27FC236}">
+                <a16:creationId xmlns:a16="http://schemas.microsoft.com/office/drawing/2014/main" id="{53EA15AA-F8B3-4A39-9444-19176DDB2876}"/>
+              </a:ext>
+            </a:extLst>
+          </p:cNvPr>
+          <p:cNvSpPr/>
+          <p:nvPr/>
+        </p:nvSpPr>
+        <p:spPr>
+          <a:xfrm>
+            <a:off x="3152775" y="1533570"/>
+            <a:ext cx="190500" cy="209550"/>
+          </a:xfrm>
+          <a:prstGeom prst="ellipse">
+            <a:avLst/>
+          </a:prstGeom>
+          <a:solidFill>
+            <a:schemeClr val="bg1"/>
+          </a:solidFill>
+          <a:ln w="38100">
+            <a:solidFill>
+              <a:srgbClr val="FF0000"/>
+            </a:solidFill>
+          </a:ln>
+        </p:spPr>
+        <p:style>
+          <a:lnRef idx="2">
+            <a:schemeClr val="accent1">
+              <a:shade val="50000"/>
+            </a:schemeClr>
+          </a:lnRef>
+          <a:fillRef idx="1">
+            <a:schemeClr val="accent1"/>
+          </a:fillRef>
+          <a:effectRef idx="0">
+            <a:schemeClr val="accent1"/>
+          </a:effectRef>
+          <a:fontRef idx="minor">
+            <a:schemeClr val="lt1"/>
+          </a:fontRef>
+        </p:style>
+        <p:txBody>
+          <a:bodyPr rtlCol="0" anchor="ctr"/>
+          <a:lstStyle/>
+          <a:p>
+            <a:pPr algn="ctr"/>
+            <a:r>
+              <a:rPr lang="pt-PT" sz="1100" dirty="0">
+                <a:solidFill>
+                  <a:schemeClr val="tx1"/>
+                </a:solidFill>
+              </a:rPr>
+              <a:t>8</a:t>
+            </a:r>
+          </a:p>
+        </p:txBody>
+      </p:sp>
+      <p:sp>
+        <p:nvSpPr>
+          <p:cNvPr id="15" name="Oval 14">
+            <a:extLst>
+              <a:ext uri="{FF2B5EF4-FFF2-40B4-BE49-F238E27FC236}">
+                <a16:creationId xmlns:a16="http://schemas.microsoft.com/office/drawing/2014/main" id="{5B1BBC12-CF91-428B-A08A-233955E6547A}"/>
+              </a:ext>
+            </a:extLst>
+          </p:cNvPr>
+          <p:cNvSpPr/>
+          <p:nvPr/>
+        </p:nvSpPr>
+        <p:spPr>
+          <a:xfrm>
+            <a:off x="3190875" y="2325871"/>
+            <a:ext cx="190500" cy="209550"/>
+          </a:xfrm>
+          <a:prstGeom prst="ellipse">
+            <a:avLst/>
+          </a:prstGeom>
+          <a:solidFill>
+            <a:schemeClr val="bg1"/>
+          </a:solidFill>
+          <a:ln w="38100">
+            <a:solidFill>
+              <a:srgbClr val="FF0000"/>
+            </a:solidFill>
+          </a:ln>
+        </p:spPr>
+        <p:style>
+          <a:lnRef idx="2">
+            <a:schemeClr val="accent1">
+              <a:shade val="50000"/>
+            </a:schemeClr>
+          </a:lnRef>
+          <a:fillRef idx="1">
+            <a:schemeClr val="accent1"/>
+          </a:fillRef>
+          <a:effectRef idx="0">
+            <a:schemeClr val="accent1"/>
+          </a:effectRef>
+          <a:fontRef idx="minor">
+            <a:schemeClr val="lt1"/>
+          </a:fontRef>
+        </p:style>
+        <p:txBody>
+          <a:bodyPr rtlCol="0" anchor="ctr"/>
+          <a:lstStyle/>
+          <a:p>
+            <a:pPr algn="ctr"/>
+            <a:r>
+              <a:rPr lang="pt-PT" sz="1100" dirty="0">
+                <a:solidFill>
+                  <a:schemeClr val="tx1"/>
+                </a:solidFill>
+              </a:rPr>
+              <a:t>9</a:t>
+            </a:r>
+          </a:p>
+        </p:txBody>
+      </p:sp>
+      <p:pic>
+        <p:nvPicPr>
+          <p:cNvPr id="21" name="Imagem 20">
+            <a:extLst>
+              <a:ext uri="{FF2B5EF4-FFF2-40B4-BE49-F238E27FC236}">
+                <a16:creationId xmlns:a16="http://schemas.microsoft.com/office/drawing/2014/main" id="{8667F764-3055-439A-9756-DEB4E9DAF961}"/>
+              </a:ext>
+            </a:extLst>
+          </p:cNvPr>
+          <p:cNvPicPr>
+            <a:picLocks noChangeAspect="1"/>
+          </p:cNvPicPr>
+          <p:nvPr/>
+        </p:nvPicPr>
+        <p:blipFill>
+          <a:blip r:embed="rId3"/>
+          <a:stretch>
+            <a:fillRect/>
+          </a:stretch>
+        </p:blipFill>
+        <p:spPr>
+          <a:xfrm>
+            <a:off x="3094603" y="3118171"/>
+            <a:ext cx="252000" cy="246071"/>
+          </a:xfrm>
+          <a:prstGeom prst="rect">
+            <a:avLst/>
+          </a:prstGeom>
+        </p:spPr>
+      </p:pic>
+      <p:pic>
+        <p:nvPicPr>
+          <p:cNvPr id="22" name="Imagem 21">
+            <a:extLst>
+              <a:ext uri="{FF2B5EF4-FFF2-40B4-BE49-F238E27FC236}">
+                <a16:creationId xmlns:a16="http://schemas.microsoft.com/office/drawing/2014/main" id="{83D5EAB7-5F26-4D7B-992B-C10010B18594}"/>
+              </a:ext>
+            </a:extLst>
+          </p:cNvPr>
+          <p:cNvPicPr>
+            <a:picLocks noChangeAspect="1"/>
+          </p:cNvPicPr>
+          <p:nvPr/>
+        </p:nvPicPr>
+        <p:blipFill>
+          <a:blip r:embed="rId4"/>
+          <a:stretch>
+            <a:fillRect/>
+          </a:stretch>
+        </p:blipFill>
+        <p:spPr>
+          <a:xfrm>
+            <a:off x="4115675" y="3129939"/>
+            <a:ext cx="252000" cy="246071"/>
+          </a:xfrm>
+          <a:prstGeom prst="rect">
+            <a:avLst/>
+          </a:prstGeom>
+        </p:spPr>
+      </p:pic>
+      <p:pic>
+        <p:nvPicPr>
+          <p:cNvPr id="26" name="Imagem 25">
+            <a:extLst>
+              <a:ext uri="{FF2B5EF4-FFF2-40B4-BE49-F238E27FC236}">
+                <a16:creationId xmlns:a16="http://schemas.microsoft.com/office/drawing/2014/main" id="{3DBDD002-2EFE-4203-9468-A5650997C32F}"/>
+              </a:ext>
+            </a:extLst>
+          </p:cNvPr>
+          <p:cNvPicPr>
+            <a:picLocks noChangeAspect="1"/>
+          </p:cNvPicPr>
+          <p:nvPr/>
+        </p:nvPicPr>
+        <p:blipFill>
+          <a:blip r:embed="rId5"/>
+          <a:stretch>
+            <a:fillRect/>
+          </a:stretch>
+        </p:blipFill>
+        <p:spPr>
+          <a:xfrm>
+            <a:off x="5010747" y="3118171"/>
+            <a:ext cx="252000" cy="246070"/>
+          </a:xfrm>
+          <a:prstGeom prst="rect">
+            <a:avLst/>
+          </a:prstGeom>
+        </p:spPr>
+      </p:pic>
+    </p:spTree>
+    <p:extLst>
+      <p:ext uri="{BB962C8B-B14F-4D97-AF65-F5344CB8AC3E}">
+        <p14:creationId xmlns:p14="http://schemas.microsoft.com/office/powerpoint/2010/main" val="1682393006"/>
+      </p:ext>
+    </p:extLst>
+  </p:cSld>
+  <p:clrMapOvr>
+    <a:masterClrMapping/>
+  </p:clrMapOvr>
+</p:sld>
+</file>
+
+<file path=ppt/slides/slide6.xml><?xml version="1.0" encoding="utf-8"?>
+<p:sld xmlns:a="http://schemas.openxmlformats.org/drawingml/2006/main" xmlns:r="http://schemas.openxmlformats.org/officeDocument/2006/relationships" xmlns:p="http://schemas.openxmlformats.org/presentationml/2006/main">
+  <p:cSld>
+    <p:spTree>
+      <p:nvGrpSpPr>
+        <p:cNvPr id="1" name=""/>
+        <p:cNvGrpSpPr/>
+        <p:nvPr/>
+      </p:nvGrpSpPr>
+      <p:grpSpPr>
+        <a:xfrm>
+          <a:off x="0" y="0"/>
+          <a:ext cx="0" cy="0"/>
+          <a:chOff x="0" y="0"/>
+          <a:chExt cx="0" cy="0"/>
+        </a:xfrm>
+      </p:grpSpPr>
+      <p:pic>
+        <p:nvPicPr>
+          <p:cNvPr id="23" name="Imagem 22">
+            <a:extLst>
+              <a:ext uri="{FF2B5EF4-FFF2-40B4-BE49-F238E27FC236}">
+                <a16:creationId xmlns:a16="http://schemas.microsoft.com/office/drawing/2014/main" id="{ACA21E1E-4EA6-497D-B34D-2BF8038DB3B9}"/>
+              </a:ext>
+            </a:extLst>
+          </p:cNvPr>
+          <p:cNvPicPr>
+            <a:picLocks noChangeAspect="1"/>
+          </p:cNvPicPr>
+          <p:nvPr/>
+        </p:nvPicPr>
+        <p:blipFill>
+          <a:blip r:embed="rId2"/>
+          <a:stretch>
+            <a:fillRect/>
+          </a:stretch>
+        </p:blipFill>
+        <p:spPr>
+          <a:xfrm>
+            <a:off x="0" y="158518"/>
+            <a:ext cx="12192000" cy="6540964"/>
+          </a:xfrm>
+          <a:prstGeom prst="rect">
+            <a:avLst/>
+          </a:prstGeom>
+        </p:spPr>
+      </p:pic>
+      <p:pic>
+        <p:nvPicPr>
+          <p:cNvPr id="8" name="Imagem 7">
+            <a:extLst>
+              <a:ext uri="{FF2B5EF4-FFF2-40B4-BE49-F238E27FC236}">
+                <a16:creationId xmlns:a16="http://schemas.microsoft.com/office/drawing/2014/main" id="{6BE1719A-10EA-4D42-A852-378453F919E5}"/>
+              </a:ext>
+            </a:extLst>
+          </p:cNvPr>
+          <p:cNvPicPr>
+            <a:picLocks noChangeAspect="1"/>
+          </p:cNvPicPr>
+          <p:nvPr/>
+        </p:nvPicPr>
+        <p:blipFill>
+          <a:blip r:embed="rId3"/>
+          <a:stretch>
+            <a:fillRect/>
+          </a:stretch>
+        </p:blipFill>
+        <p:spPr>
+          <a:xfrm>
+            <a:off x="2726685" y="3554506"/>
+            <a:ext cx="231668" cy="253006"/>
+          </a:xfrm>
+          <a:prstGeom prst="rect">
+            <a:avLst/>
+          </a:prstGeom>
+        </p:spPr>
+      </p:pic>
+      <p:pic>
+        <p:nvPicPr>
+          <p:cNvPr id="12" name="Imagem 11">
+            <a:extLst>
+              <a:ext uri="{FF2B5EF4-FFF2-40B4-BE49-F238E27FC236}">
+                <a16:creationId xmlns:a16="http://schemas.microsoft.com/office/drawing/2014/main" id="{0622FCCD-9D3A-4B1D-960E-1A26020C04A2}"/>
+              </a:ext>
+            </a:extLst>
+          </p:cNvPr>
+          <p:cNvPicPr>
+            <a:picLocks noChangeAspect="1"/>
+          </p:cNvPicPr>
+          <p:nvPr/>
+        </p:nvPicPr>
+        <p:blipFill>
+          <a:blip r:embed="rId4"/>
+          <a:stretch>
+            <a:fillRect/>
+          </a:stretch>
+        </p:blipFill>
+        <p:spPr>
+          <a:xfrm>
+            <a:off x="3139061" y="1519516"/>
+            <a:ext cx="231669" cy="253007"/>
+          </a:xfrm>
+          <a:prstGeom prst="rect">
+            <a:avLst/>
+          </a:prstGeom>
+        </p:spPr>
+      </p:pic>
+      <p:pic>
+        <p:nvPicPr>
+          <p:cNvPr id="13" name="Imagem 12">
+            <a:extLst>
+              <a:ext uri="{FF2B5EF4-FFF2-40B4-BE49-F238E27FC236}">
+                <a16:creationId xmlns:a16="http://schemas.microsoft.com/office/drawing/2014/main" id="{4BAA73F9-1CAF-456E-812A-D400803BF4E9}"/>
+              </a:ext>
+            </a:extLst>
+          </p:cNvPr>
+          <p:cNvPicPr>
+            <a:picLocks noChangeAspect="1"/>
+          </p:cNvPicPr>
+          <p:nvPr/>
+        </p:nvPicPr>
+        <p:blipFill>
+          <a:blip r:embed="rId5"/>
+          <a:stretch>
+            <a:fillRect/>
+          </a:stretch>
+        </p:blipFill>
+        <p:spPr>
+          <a:xfrm>
+            <a:off x="4689955" y="1125069"/>
+            <a:ext cx="231669" cy="253007"/>
+          </a:xfrm>
+          <a:prstGeom prst="rect">
+            <a:avLst/>
+          </a:prstGeom>
+        </p:spPr>
+      </p:pic>
+      <p:pic>
+        <p:nvPicPr>
+          <p:cNvPr id="14" name="Imagem 13">
+            <a:extLst>
+              <a:ext uri="{FF2B5EF4-FFF2-40B4-BE49-F238E27FC236}">
+                <a16:creationId xmlns:a16="http://schemas.microsoft.com/office/drawing/2014/main" id="{3021C11B-0497-48B7-AAD3-8AFC9EA41AC3}"/>
+              </a:ext>
+            </a:extLst>
+          </p:cNvPr>
+          <p:cNvPicPr>
+            <a:picLocks noChangeAspect="1"/>
+          </p:cNvPicPr>
+          <p:nvPr/>
+        </p:nvPicPr>
+        <p:blipFill>
+          <a:blip r:embed="rId6"/>
+          <a:stretch>
+            <a:fillRect/>
+          </a:stretch>
+        </p:blipFill>
+        <p:spPr>
+          <a:xfrm>
+            <a:off x="4689954" y="1519516"/>
+            <a:ext cx="231669" cy="253007"/>
+          </a:xfrm>
+          <a:prstGeom prst="rect">
+            <a:avLst/>
+          </a:prstGeom>
+        </p:spPr>
+      </p:pic>
+      <p:pic>
+        <p:nvPicPr>
+          <p:cNvPr id="18" name="Imagem 17">
+            <a:extLst>
+              <a:ext uri="{FF2B5EF4-FFF2-40B4-BE49-F238E27FC236}">
+                <a16:creationId xmlns:a16="http://schemas.microsoft.com/office/drawing/2014/main" id="{61AEA10C-BF8E-41C1-9342-CCECCD5A62F5}"/>
+              </a:ext>
+            </a:extLst>
+          </p:cNvPr>
+          <p:cNvPicPr>
+            <a:picLocks noChangeAspect="1"/>
+          </p:cNvPicPr>
+          <p:nvPr/>
+        </p:nvPicPr>
+        <p:blipFill>
+          <a:blip r:embed="rId7"/>
+          <a:stretch>
+            <a:fillRect/>
+          </a:stretch>
+        </p:blipFill>
+        <p:spPr>
+          <a:xfrm>
+            <a:off x="4689953" y="1913963"/>
+            <a:ext cx="231669" cy="253007"/>
+          </a:xfrm>
+          <a:prstGeom prst="rect">
+            <a:avLst/>
+          </a:prstGeom>
+        </p:spPr>
+      </p:pic>
+      <p:pic>
+        <p:nvPicPr>
+          <p:cNvPr id="19" name="Imagem 18">
+            <a:extLst>
+              <a:ext uri="{FF2B5EF4-FFF2-40B4-BE49-F238E27FC236}">
+                <a16:creationId xmlns:a16="http://schemas.microsoft.com/office/drawing/2014/main" id="{CCC3F691-EBC0-413F-9900-B2CD7F27DEA2}"/>
+              </a:ext>
+            </a:extLst>
+          </p:cNvPr>
+          <p:cNvPicPr>
+            <a:picLocks noChangeAspect="1"/>
+          </p:cNvPicPr>
+          <p:nvPr/>
+        </p:nvPicPr>
+        <p:blipFill>
+          <a:blip r:embed="rId8"/>
+          <a:stretch>
+            <a:fillRect/>
+          </a:stretch>
+        </p:blipFill>
+        <p:spPr>
+          <a:xfrm>
+            <a:off x="3254895" y="2714623"/>
+            <a:ext cx="231669" cy="253007"/>
+          </a:xfrm>
+          <a:prstGeom prst="rect">
+            <a:avLst/>
+          </a:prstGeom>
+        </p:spPr>
+      </p:pic>
+      <p:pic>
+        <p:nvPicPr>
+          <p:cNvPr id="20" name="Imagem 19">
+            <a:extLst>
+              <a:ext uri="{FF2B5EF4-FFF2-40B4-BE49-F238E27FC236}">
+                <a16:creationId xmlns:a16="http://schemas.microsoft.com/office/drawing/2014/main" id="{A6C34CB7-A14E-4C5D-96BE-2E866DBA70C0}"/>
+              </a:ext>
+            </a:extLst>
+          </p:cNvPr>
+          <p:cNvPicPr>
+            <a:picLocks noChangeAspect="1"/>
+          </p:cNvPicPr>
+          <p:nvPr/>
+        </p:nvPicPr>
+        <p:blipFill>
+          <a:blip r:embed="rId9"/>
+          <a:stretch>
+            <a:fillRect/>
+          </a:stretch>
+        </p:blipFill>
+        <p:spPr>
+          <a:xfrm>
+            <a:off x="4226032" y="2714623"/>
+            <a:ext cx="231669" cy="253007"/>
+          </a:xfrm>
+          <a:prstGeom prst="rect">
+            <a:avLst/>
+          </a:prstGeom>
+        </p:spPr>
+      </p:pic>
+      <p:pic>
+        <p:nvPicPr>
+          <p:cNvPr id="21" name="Imagem 20">
+            <a:extLst>
+              <a:ext uri="{FF2B5EF4-FFF2-40B4-BE49-F238E27FC236}">
+                <a16:creationId xmlns:a16="http://schemas.microsoft.com/office/drawing/2014/main" id="{EAA21FF5-F7D1-43D6-AE9D-0C49240EB700}"/>
+              </a:ext>
+            </a:extLst>
+          </p:cNvPr>
+          <p:cNvPicPr>
+            <a:picLocks noChangeAspect="1"/>
+          </p:cNvPicPr>
+          <p:nvPr/>
+        </p:nvPicPr>
+        <p:blipFill>
+          <a:blip r:embed="rId10"/>
+          <a:stretch>
+            <a:fillRect/>
+          </a:stretch>
+        </p:blipFill>
+        <p:spPr>
+          <a:xfrm>
+            <a:off x="6226282" y="3175993"/>
+            <a:ext cx="231669" cy="253007"/>
+          </a:xfrm>
+          <a:prstGeom prst="rect">
+            <a:avLst/>
+          </a:prstGeom>
+        </p:spPr>
+      </p:pic>
+      <p:pic>
+        <p:nvPicPr>
+          <p:cNvPr id="22" name="Imagem 21">
+            <a:extLst>
+              <a:ext uri="{FF2B5EF4-FFF2-40B4-BE49-F238E27FC236}">
+                <a16:creationId xmlns:a16="http://schemas.microsoft.com/office/drawing/2014/main" id="{815A39EF-9B58-4F86-A44B-059ADBB4CF53}"/>
+              </a:ext>
+            </a:extLst>
+          </p:cNvPr>
+          <p:cNvPicPr>
+            <a:picLocks noChangeAspect="1"/>
+          </p:cNvPicPr>
+          <p:nvPr/>
+        </p:nvPicPr>
+        <p:blipFill>
+          <a:blip r:embed="rId11"/>
+          <a:stretch>
+            <a:fillRect/>
+          </a:stretch>
+        </p:blipFill>
+        <p:spPr>
+          <a:xfrm>
+            <a:off x="854182" y="3876673"/>
+            <a:ext cx="231670" cy="253008"/>
+          </a:xfrm>
+          <a:prstGeom prst="rect">
+            <a:avLst/>
+          </a:prstGeom>
+        </p:spPr>
+      </p:pic>
+      <p:pic>
+        <p:nvPicPr>
+          <p:cNvPr id="24" name="Imagem 23">
+            <a:extLst>
+              <a:ext uri="{FF2B5EF4-FFF2-40B4-BE49-F238E27FC236}">
+                <a16:creationId xmlns:a16="http://schemas.microsoft.com/office/drawing/2014/main" id="{0F74C8CE-F4AF-462A-BD91-31DEDADDF533}"/>
+              </a:ext>
+            </a:extLst>
+          </p:cNvPr>
+          <p:cNvPicPr>
+            <a:picLocks noChangeAspect="1"/>
+          </p:cNvPicPr>
+          <p:nvPr/>
+        </p:nvPicPr>
+        <p:blipFill>
+          <a:blip r:embed="rId12"/>
+          <a:stretch>
+            <a:fillRect/>
+          </a:stretch>
+        </p:blipFill>
+        <p:spPr>
+          <a:xfrm>
+            <a:off x="607671" y="666748"/>
+            <a:ext cx="259105" cy="253008"/>
+          </a:xfrm>
+          <a:prstGeom prst="rect">
+            <a:avLst/>
+          </a:prstGeom>
+        </p:spPr>
+      </p:pic>
+    </p:spTree>
+    <p:extLst>
+      <p:ext uri="{BB962C8B-B14F-4D97-AF65-F5344CB8AC3E}">
+        <p14:creationId xmlns:p14="http://schemas.microsoft.com/office/powerpoint/2010/main" val="2500416726"/>
+      </p:ext>
+    </p:extLst>
+  </p:cSld>
+  <p:clrMapOvr>
+    <a:masterClrMapping/>
+  </p:clrMapOvr>
+</p:sld>
+</file>
+
+<file path=ppt/slides/slide7.xml><?xml version="1.0" encoding="utf-8"?>
+<p:sld xmlns:a="http://schemas.openxmlformats.org/drawingml/2006/main" xmlns:r="http://schemas.openxmlformats.org/officeDocument/2006/relationships" xmlns:p="http://schemas.openxmlformats.org/presentationml/2006/main">
+  <p:cSld>
+    <p:spTree>
+      <p:nvGrpSpPr>
+        <p:cNvPr id="1" name=""/>
+        <p:cNvGrpSpPr/>
+        <p:nvPr/>
+      </p:nvGrpSpPr>
+      <p:grpSpPr>
+        <a:xfrm>
+          <a:off x="0" y="0"/>
+          <a:ext cx="0" cy="0"/>
+          <a:chOff x="0" y="0"/>
+          <a:chExt cx="0" cy="0"/>
+        </a:xfrm>
+      </p:grpSpPr>
+      <p:sp>
+        <p:nvSpPr>
+          <p:cNvPr id="2" name="Título 1">
+            <a:extLst>
+              <a:ext uri="{FF2B5EF4-FFF2-40B4-BE49-F238E27FC236}">
+                <a16:creationId xmlns:a16="http://schemas.microsoft.com/office/drawing/2014/main" id="{979ABBE1-3CBC-411A-9147-A026C38954F9}"/>
+              </a:ext>
+            </a:extLst>
+          </p:cNvPr>
+          <p:cNvSpPr>
+            <a:spLocks noGrp="1"/>
+          </p:cNvSpPr>
+          <p:nvPr>
+            <p:ph type="title"/>
+          </p:nvPr>
+        </p:nvSpPr>
+        <p:spPr/>
+        <p:txBody>
+          <a:bodyPr/>
+          <a:lstStyle/>
+          <a:p>
+            <a:endParaRPr lang="pt-PT"/>
+          </a:p>
+        </p:txBody>
+      </p:sp>
+      <p:sp>
+        <p:nvSpPr>
+          <p:cNvPr id="3" name="Marcador de Posição de Conteúdo 2">
+            <a:extLst>
+              <a:ext uri="{FF2B5EF4-FFF2-40B4-BE49-F238E27FC236}">
+                <a16:creationId xmlns:a16="http://schemas.microsoft.com/office/drawing/2014/main" id="{969E629C-4017-4E10-91D9-DF9CE8607468}"/>
+              </a:ext>
+            </a:extLst>
+          </p:cNvPr>
+          <p:cNvSpPr>
+            <a:spLocks noGrp="1"/>
+          </p:cNvSpPr>
+          <p:nvPr>
+            <p:ph idx="1"/>
+          </p:nvPr>
+        </p:nvSpPr>
+        <p:spPr/>
+        <p:txBody>
+          <a:bodyPr/>
+          <a:lstStyle/>
+          <a:p>
+            <a:endParaRPr lang="pt-PT" dirty="0"/>
+          </a:p>
+        </p:txBody>
+      </p:sp>
+      <p:grpSp>
+        <p:nvGrpSpPr>
+          <p:cNvPr id="5" name="Agrupar 4">
+            <a:extLst>
+              <a:ext uri="{FF2B5EF4-FFF2-40B4-BE49-F238E27FC236}">
+                <a16:creationId xmlns:a16="http://schemas.microsoft.com/office/drawing/2014/main" id="{CD8F2092-748F-43A6-98C8-E2B72019583C}"/>
+              </a:ext>
+            </a:extLst>
+          </p:cNvPr>
+          <p:cNvGrpSpPr/>
+          <p:nvPr/>
+        </p:nvGrpSpPr>
+        <p:grpSpPr>
+          <a:xfrm>
+            <a:off x="8326530" y="4609675"/>
+            <a:ext cx="428625" cy="415603"/>
+            <a:chOff x="7743824" y="4394522"/>
+            <a:chExt cx="428625" cy="415603"/>
+          </a:xfrm>
+        </p:grpSpPr>
+        <p:sp>
+          <p:nvSpPr>
+            <p:cNvPr id="6" name="Oval 5">
+              <a:extLst>
+                <a:ext uri="{FF2B5EF4-FFF2-40B4-BE49-F238E27FC236}">
+                  <a16:creationId xmlns:a16="http://schemas.microsoft.com/office/drawing/2014/main" id="{ECDB9026-CB1F-4E21-80BE-411A7D5F43C3}"/>
+                </a:ext>
+              </a:extLst>
+            </p:cNvPr>
+            <p:cNvSpPr/>
+            <p:nvPr/>
+          </p:nvSpPr>
+          <p:spPr>
+            <a:xfrm>
+              <a:off x="7743824" y="4394522"/>
+              <a:ext cx="428625" cy="415603"/>
+            </a:xfrm>
+            <a:prstGeom prst="ellipse">
+              <a:avLst/>
+            </a:prstGeom>
+            <a:solidFill>
+              <a:schemeClr val="bg1"/>
+            </a:solidFill>
+            <a:ln w="38100">
+              <a:solidFill>
+                <a:srgbClr val="FF0000"/>
+              </a:solidFill>
+            </a:ln>
+          </p:spPr>
+          <p:style>
+            <a:lnRef idx="2">
+              <a:schemeClr val="accent1">
+                <a:shade val="50000"/>
+              </a:schemeClr>
+            </a:lnRef>
+            <a:fillRef idx="1">
+              <a:schemeClr val="accent1"/>
+            </a:fillRef>
+            <a:effectRef idx="0">
+              <a:schemeClr val="accent1"/>
+            </a:effectRef>
+            <a:fontRef idx="minor">
+              <a:schemeClr val="lt1"/>
+            </a:fontRef>
+          </p:style>
+          <p:txBody>
+            <a:bodyPr rtlCol="0" anchor="ctr"/>
+            <a:lstStyle/>
+            <a:p>
+              <a:pPr algn="ctr"/>
+              <a:endParaRPr lang="pt-PT" sz="600" dirty="0">
+                <a:solidFill>
+                  <a:schemeClr val="tx1"/>
+                </a:solidFill>
+              </a:endParaRPr>
+            </a:p>
+          </p:txBody>
+        </p:sp>
+        <p:sp>
+          <p:nvSpPr>
+            <p:cNvPr id="7" name="CaixaDeTexto 6">
+              <a:extLst>
+                <a:ext uri="{FF2B5EF4-FFF2-40B4-BE49-F238E27FC236}">
+                  <a16:creationId xmlns:a16="http://schemas.microsoft.com/office/drawing/2014/main" id="{1733EDEF-BAC1-44AB-A400-6C56B1C55018}"/>
+                </a:ext>
+              </a:extLst>
+            </p:cNvPr>
+            <p:cNvSpPr txBox="1"/>
+            <p:nvPr/>
+          </p:nvSpPr>
+          <p:spPr>
+            <a:xfrm>
+              <a:off x="7743824" y="4417657"/>
+              <a:ext cx="428625" cy="369332"/>
+            </a:xfrm>
+            <a:prstGeom prst="rect">
+              <a:avLst/>
+            </a:prstGeom>
+            <a:noFill/>
+          </p:spPr>
+          <p:txBody>
+            <a:bodyPr wrap="square" rtlCol="0">
+              <a:spAutoFit/>
+            </a:bodyPr>
+            <a:lstStyle/>
+            <a:p>
+              <a:r>
+                <a:rPr lang="pt-PT" dirty="0"/>
+                <a:t>10</a:t>
+              </a:r>
+            </a:p>
+          </p:txBody>
+        </p:sp>
+      </p:grpSp>
+    </p:spTree>
+    <p:extLst>
+      <p:ext uri="{BB962C8B-B14F-4D97-AF65-F5344CB8AC3E}">
+        <p14:creationId xmlns:p14="http://schemas.microsoft.com/office/powerpoint/2010/main" val="3321859657"/>
+      </p:ext>
+    </p:extLst>
+  </p:cSld>
+  <p:clrMapOvr>
+    <a:masterClrMapping/>
+  </p:clrMapOvr>
+</p:sld>
+</file>
+
+<file path=ppt/slides/slide8.xml><?xml version="1.0" encoding="utf-8"?>
+<p:sld xmlns:a="http://schemas.openxmlformats.org/drawingml/2006/main" xmlns:r="http://schemas.openxmlformats.org/officeDocument/2006/relationships" xmlns:p="http://schemas.openxmlformats.org/presentationml/2006/main">
+  <p:cSld>
+    <p:spTree>
+      <p:nvGrpSpPr>
+        <p:cNvPr id="1" name=""/>
+        <p:cNvGrpSpPr/>
+        <p:nvPr/>
+      </p:nvGrpSpPr>
+      <p:grpSpPr>
+        <a:xfrm>
+          <a:off x="0" y="0"/>
+          <a:ext cx="0" cy="0"/>
+          <a:chOff x="0" y="0"/>
+          <a:chExt cx="0" cy="0"/>
+        </a:xfrm>
+      </p:grpSpPr>
+      <p:sp>
+        <p:nvSpPr>
+          <p:cNvPr id="2" name="Título 1">
+            <a:extLst>
+              <a:ext uri="{FF2B5EF4-FFF2-40B4-BE49-F238E27FC236}">
+                <a16:creationId xmlns:a16="http://schemas.microsoft.com/office/drawing/2014/main" id="{E772C663-64F1-4E15-95DD-76C4F244D55B}"/>
+              </a:ext>
+            </a:extLst>
+          </p:cNvPr>
+          <p:cNvSpPr>
+            <a:spLocks noGrp="1"/>
+          </p:cNvSpPr>
+          <p:nvPr>
+            <p:ph type="title"/>
+          </p:nvPr>
+        </p:nvSpPr>
+        <p:spPr/>
+        <p:txBody>
+          <a:bodyPr/>
+          <a:lstStyle/>
+          <a:p>
+            <a:endParaRPr lang="pt-PT"/>
+          </a:p>
+        </p:txBody>
+      </p:sp>
+      <p:sp>
+        <p:nvSpPr>
+          <p:cNvPr id="3" name="Marcador de Posição de Conteúdo 2">
+            <a:extLst>
+              <a:ext uri="{FF2B5EF4-FFF2-40B4-BE49-F238E27FC236}">
+                <a16:creationId xmlns:a16="http://schemas.microsoft.com/office/drawing/2014/main" id="{B1764736-14D6-436B-AEC7-77EF539C1D53}"/>
+              </a:ext>
+            </a:extLst>
+          </p:cNvPr>
+          <p:cNvSpPr>
+            <a:spLocks noGrp="1"/>
+          </p:cNvSpPr>
+          <p:nvPr>
+            <p:ph idx="1"/>
+          </p:nvPr>
+        </p:nvSpPr>
+        <p:spPr/>
+        <p:txBody>
+          <a:bodyPr/>
+          <a:lstStyle/>
+          <a:p>
+            <a:endParaRPr lang="pt-PT"/>
+          </a:p>
+        </p:txBody>
+      </p:sp>
+    </p:spTree>
+    <p:extLst>
+      <p:ext uri="{BB962C8B-B14F-4D97-AF65-F5344CB8AC3E}">
+        <p14:creationId xmlns:p14="http://schemas.microsoft.com/office/powerpoint/2010/main" val="2555296147"/>
+      </p:ext>
+    </p:extLst>
+  </p:cSld>
+  <p:clrMapOvr>
+    <a:masterClrMapping/>
+  </p:clrMapOvr>
+</p:sld>
+</file>
+
+<file path=ppt/slides/slide9.xml><?xml version="1.0" encoding="utf-8"?>
+<p:sld xmlns:a="http://schemas.openxmlformats.org/drawingml/2006/main" xmlns:r="http://schemas.openxmlformats.org/officeDocument/2006/relationships" xmlns:p="http://schemas.openxmlformats.org/presentationml/2006/main">
+  <p:cSld>
+    <p:spTree>
+      <p:nvGrpSpPr>
+        <p:cNvPr id="1" name=""/>
+        <p:cNvGrpSpPr/>
+        <p:nvPr/>
+      </p:nvGrpSpPr>
+      <p:grpSpPr>
+        <a:xfrm>
+          <a:off x="0" y="0"/>
+          <a:ext cx="0" cy="0"/>
+          <a:chOff x="0" y="0"/>
+          <a:chExt cx="0" cy="0"/>
+        </a:xfrm>
+      </p:grpSpPr>
+      <p:sp>
+        <p:nvSpPr>
+          <p:cNvPr id="2" name="Título 1">
+            <a:extLst>
+              <a:ext uri="{FF2B5EF4-FFF2-40B4-BE49-F238E27FC236}">
+                <a16:creationId xmlns:a16="http://schemas.microsoft.com/office/drawing/2014/main" id="{4D9E784F-7BF8-4588-9F52-93F39837C571}"/>
+              </a:ext>
+            </a:extLst>
+          </p:cNvPr>
+          <p:cNvSpPr>
+            <a:spLocks noGrp="1"/>
+          </p:cNvSpPr>
+          <p:nvPr>
+            <p:ph type="title"/>
+          </p:nvPr>
+        </p:nvSpPr>
+        <p:spPr/>
+        <p:txBody>
+          <a:bodyPr/>
+          <a:lstStyle/>
+          <a:p>
+            <a:endParaRPr lang="pt-PT"/>
+          </a:p>
+        </p:txBody>
+      </p:sp>
+      <p:sp>
+        <p:nvSpPr>
+          <p:cNvPr id="3" name="Marcador de Posição de Conteúdo 2">
+            <a:extLst>
+              <a:ext uri="{FF2B5EF4-FFF2-40B4-BE49-F238E27FC236}">
+                <a16:creationId xmlns:a16="http://schemas.microsoft.com/office/drawing/2014/main" id="{57E5A63C-0F4F-4594-8201-FA21EFCE2064}"/>
+              </a:ext>
+            </a:extLst>
+          </p:cNvPr>
+          <p:cNvSpPr>
+            <a:spLocks noGrp="1"/>
+          </p:cNvSpPr>
+          <p:nvPr>
+            <p:ph idx="1"/>
+          </p:nvPr>
+        </p:nvSpPr>
+        <p:spPr/>
+        <p:txBody>
+          <a:bodyPr/>
+          <a:lstStyle/>
+          <a:p>
+            <a:endParaRPr lang="pt-PT"/>
+          </a:p>
+        </p:txBody>
+      </p:sp>
+    </p:spTree>
+    <p:extLst>
+      <p:ext uri="{BB962C8B-B14F-4D97-AF65-F5344CB8AC3E}">
+        <p14:creationId xmlns:p14="http://schemas.microsoft.com/office/powerpoint/2010/main" val="3422646221"/>
+      </p:ext>
+    </p:extLst>
+  </p:cSld>
+  <p:clrMapOvr>
+    <a:masterClrMapping/>
+  </p:clrMapOvr>
+</p:sld>
+</file>
+
 <file path=ppt/theme/theme1.xml><?xml version="1.0" encoding="utf-8"?>
 <a:theme xmlns:a="http://schemas.openxmlformats.org/drawingml/2006/main" name="Tema do Office">
   <a:themeElements>

--- a/Relatorio/Imagens.pptx
+++ b/Relatorio/Imagens.pptx
@@ -7362,56 +7362,675 @@
           <a:chExt cx="0" cy="0"/>
         </a:xfrm>
       </p:grpSpPr>
-      <p:sp>
-        <p:nvSpPr>
-          <p:cNvPr id="2" name="Título 1">
-            <a:extLst>
-              <a:ext uri="{FF2B5EF4-FFF2-40B4-BE49-F238E27FC236}">
-                <a16:creationId xmlns:a16="http://schemas.microsoft.com/office/drawing/2014/main" id="{E772C663-64F1-4E15-95DD-76C4F244D55B}"/>
-              </a:ext>
-            </a:extLst>
-          </p:cNvPr>
-          <p:cNvSpPr>
-            <a:spLocks noGrp="1"/>
-          </p:cNvSpPr>
-          <p:nvPr>
-            <p:ph type="title"/>
-          </p:nvPr>
-        </p:nvSpPr>
-        <p:spPr/>
-        <p:txBody>
-          <a:bodyPr/>
-          <a:lstStyle/>
-          <a:p>
-            <a:endParaRPr lang="pt-PT"/>
-          </a:p>
-        </p:txBody>
-      </p:sp>
-      <p:sp>
-        <p:nvSpPr>
-          <p:cNvPr id="3" name="Marcador de Posição de Conteúdo 2">
-            <a:extLst>
-              <a:ext uri="{FF2B5EF4-FFF2-40B4-BE49-F238E27FC236}">
-                <a16:creationId xmlns:a16="http://schemas.microsoft.com/office/drawing/2014/main" id="{B1764736-14D6-436B-AEC7-77EF539C1D53}"/>
-              </a:ext>
-            </a:extLst>
-          </p:cNvPr>
-          <p:cNvSpPr>
-            <a:spLocks noGrp="1"/>
-          </p:cNvSpPr>
-          <p:nvPr>
-            <p:ph idx="1"/>
-          </p:nvPr>
-        </p:nvSpPr>
-        <p:spPr/>
-        <p:txBody>
-          <a:bodyPr/>
-          <a:lstStyle/>
-          <a:p>
-            <a:endParaRPr lang="pt-PT"/>
-          </a:p>
-        </p:txBody>
-      </p:sp>
+      <p:pic>
+        <p:nvPicPr>
+          <p:cNvPr id="4" name="Imagem 3">
+            <a:extLst>
+              <a:ext uri="{FF2B5EF4-FFF2-40B4-BE49-F238E27FC236}">
+                <a16:creationId xmlns:a16="http://schemas.microsoft.com/office/drawing/2014/main" id="{2305DF2D-9E8E-4E93-8EED-1F0719C2EF10}"/>
+              </a:ext>
+            </a:extLst>
+          </p:cNvPr>
+          <p:cNvPicPr>
+            <a:picLocks noChangeAspect="1"/>
+          </p:cNvPicPr>
+          <p:nvPr/>
+        </p:nvPicPr>
+        <p:blipFill>
+          <a:blip r:embed="rId2"/>
+          <a:stretch>
+            <a:fillRect/>
+          </a:stretch>
+        </p:blipFill>
+        <p:spPr>
+          <a:xfrm>
+            <a:off x="0" y="0"/>
+            <a:ext cx="12192000" cy="6858000"/>
+          </a:xfrm>
+          <a:prstGeom prst="rect">
+            <a:avLst/>
+          </a:prstGeom>
+        </p:spPr>
+      </p:pic>
+      <p:sp>
+        <p:nvSpPr>
+          <p:cNvPr id="16" name="Oval 15">
+            <a:extLst>
+              <a:ext uri="{FF2B5EF4-FFF2-40B4-BE49-F238E27FC236}">
+                <a16:creationId xmlns:a16="http://schemas.microsoft.com/office/drawing/2014/main" id="{2AE69400-47D1-42CC-86B8-025EF6158EFC}"/>
+              </a:ext>
+            </a:extLst>
+          </p:cNvPr>
+          <p:cNvSpPr/>
+          <p:nvPr/>
+        </p:nvSpPr>
+        <p:spPr>
+          <a:xfrm>
+            <a:off x="6345956" y="3065225"/>
+            <a:ext cx="190500" cy="209550"/>
+          </a:xfrm>
+          <a:prstGeom prst="ellipse">
+            <a:avLst/>
+          </a:prstGeom>
+          <a:solidFill>
+            <a:schemeClr val="bg1"/>
+          </a:solidFill>
+          <a:ln w="38100">
+            <a:solidFill>
+              <a:srgbClr val="FF0000"/>
+            </a:solidFill>
+          </a:ln>
+        </p:spPr>
+        <p:style>
+          <a:lnRef idx="2">
+            <a:schemeClr val="accent1">
+              <a:shade val="50000"/>
+            </a:schemeClr>
+          </a:lnRef>
+          <a:fillRef idx="1">
+            <a:schemeClr val="accent1"/>
+          </a:fillRef>
+          <a:effectRef idx="0">
+            <a:schemeClr val="accent1"/>
+          </a:effectRef>
+          <a:fontRef idx="minor">
+            <a:schemeClr val="lt1"/>
+          </a:fontRef>
+        </p:style>
+        <p:txBody>
+          <a:bodyPr rtlCol="0" anchor="ctr"/>
+          <a:lstStyle/>
+          <a:p>
+            <a:pPr algn="ctr"/>
+            <a:r>
+              <a:rPr lang="pt-PT" sz="1100" dirty="0">
+                <a:solidFill>
+                  <a:schemeClr val="tx1"/>
+                </a:solidFill>
+              </a:rPr>
+              <a:t>1</a:t>
+            </a:r>
+          </a:p>
+        </p:txBody>
+      </p:sp>
+      <p:sp>
+        <p:nvSpPr>
+          <p:cNvPr id="17" name="Oval 16">
+            <a:extLst>
+              <a:ext uri="{FF2B5EF4-FFF2-40B4-BE49-F238E27FC236}">
+                <a16:creationId xmlns:a16="http://schemas.microsoft.com/office/drawing/2014/main" id="{3C93633D-A622-454C-9778-474F39AED7FF}"/>
+              </a:ext>
+            </a:extLst>
+          </p:cNvPr>
+          <p:cNvSpPr/>
+          <p:nvPr/>
+        </p:nvSpPr>
+        <p:spPr>
+          <a:xfrm>
+            <a:off x="6345956" y="3364241"/>
+            <a:ext cx="190500" cy="209550"/>
+          </a:xfrm>
+          <a:prstGeom prst="ellipse">
+            <a:avLst/>
+          </a:prstGeom>
+          <a:solidFill>
+            <a:schemeClr val="bg1"/>
+          </a:solidFill>
+          <a:ln w="38100">
+            <a:solidFill>
+              <a:srgbClr val="FF0000"/>
+            </a:solidFill>
+          </a:ln>
+        </p:spPr>
+        <p:style>
+          <a:lnRef idx="2">
+            <a:schemeClr val="accent1">
+              <a:shade val="50000"/>
+            </a:schemeClr>
+          </a:lnRef>
+          <a:fillRef idx="1">
+            <a:schemeClr val="accent1"/>
+          </a:fillRef>
+          <a:effectRef idx="0">
+            <a:schemeClr val="accent1"/>
+          </a:effectRef>
+          <a:fontRef idx="minor">
+            <a:schemeClr val="lt1"/>
+          </a:fontRef>
+        </p:style>
+        <p:txBody>
+          <a:bodyPr rtlCol="0" anchor="ctr"/>
+          <a:lstStyle/>
+          <a:p>
+            <a:pPr algn="ctr"/>
+            <a:r>
+              <a:rPr lang="pt-PT" sz="1100" dirty="0">
+                <a:solidFill>
+                  <a:schemeClr val="tx1"/>
+                </a:solidFill>
+              </a:rPr>
+              <a:t>2</a:t>
+            </a:r>
+          </a:p>
+        </p:txBody>
+      </p:sp>
+      <p:sp>
+        <p:nvSpPr>
+          <p:cNvPr id="18" name="Oval 17">
+            <a:extLst>
+              <a:ext uri="{FF2B5EF4-FFF2-40B4-BE49-F238E27FC236}">
+                <a16:creationId xmlns:a16="http://schemas.microsoft.com/office/drawing/2014/main" id="{D2877B8C-C29A-4D92-BD0E-02671E1AF89F}"/>
+              </a:ext>
+            </a:extLst>
+          </p:cNvPr>
+          <p:cNvSpPr/>
+          <p:nvPr/>
+        </p:nvSpPr>
+        <p:spPr>
+          <a:xfrm>
+            <a:off x="163606" y="409855"/>
+            <a:ext cx="190500" cy="209550"/>
+          </a:xfrm>
+          <a:prstGeom prst="ellipse">
+            <a:avLst/>
+          </a:prstGeom>
+          <a:solidFill>
+            <a:schemeClr val="bg1"/>
+          </a:solidFill>
+          <a:ln w="38100">
+            <a:solidFill>
+              <a:srgbClr val="FF0000"/>
+            </a:solidFill>
+          </a:ln>
+        </p:spPr>
+        <p:style>
+          <a:lnRef idx="2">
+            <a:schemeClr val="accent1">
+              <a:shade val="50000"/>
+            </a:schemeClr>
+          </a:lnRef>
+          <a:fillRef idx="1">
+            <a:schemeClr val="accent1"/>
+          </a:fillRef>
+          <a:effectRef idx="0">
+            <a:schemeClr val="accent1"/>
+          </a:effectRef>
+          <a:fontRef idx="minor">
+            <a:schemeClr val="lt1"/>
+          </a:fontRef>
+        </p:style>
+        <p:txBody>
+          <a:bodyPr rtlCol="0" anchor="ctr"/>
+          <a:lstStyle/>
+          <a:p>
+            <a:pPr algn="ctr"/>
+            <a:r>
+              <a:rPr lang="pt-PT" sz="1100" dirty="0">
+                <a:solidFill>
+                  <a:schemeClr val="tx1"/>
+                </a:solidFill>
+              </a:rPr>
+              <a:t>3</a:t>
+            </a:r>
+          </a:p>
+        </p:txBody>
+      </p:sp>
+      <p:sp>
+        <p:nvSpPr>
+          <p:cNvPr id="19" name="Oval 18">
+            <a:extLst>
+              <a:ext uri="{FF2B5EF4-FFF2-40B4-BE49-F238E27FC236}">
+                <a16:creationId xmlns:a16="http://schemas.microsoft.com/office/drawing/2014/main" id="{CE2D1A56-BA43-4E00-A8C7-59C33D1E5A9A}"/>
+              </a:ext>
+            </a:extLst>
+          </p:cNvPr>
+          <p:cNvSpPr/>
+          <p:nvPr/>
+        </p:nvSpPr>
+        <p:spPr>
+          <a:xfrm>
+            <a:off x="174812" y="819710"/>
+            <a:ext cx="190500" cy="209550"/>
+          </a:xfrm>
+          <a:prstGeom prst="ellipse">
+            <a:avLst/>
+          </a:prstGeom>
+          <a:solidFill>
+            <a:schemeClr val="bg1"/>
+          </a:solidFill>
+          <a:ln w="38100">
+            <a:solidFill>
+              <a:srgbClr val="FF0000"/>
+            </a:solidFill>
+          </a:ln>
+        </p:spPr>
+        <p:style>
+          <a:lnRef idx="2">
+            <a:schemeClr val="accent1">
+              <a:shade val="50000"/>
+            </a:schemeClr>
+          </a:lnRef>
+          <a:fillRef idx="1">
+            <a:schemeClr val="accent1"/>
+          </a:fillRef>
+          <a:effectRef idx="0">
+            <a:schemeClr val="accent1"/>
+          </a:effectRef>
+          <a:fontRef idx="minor">
+            <a:schemeClr val="lt1"/>
+          </a:fontRef>
+        </p:style>
+        <p:txBody>
+          <a:bodyPr rtlCol="0" anchor="ctr"/>
+          <a:lstStyle/>
+          <a:p>
+            <a:pPr algn="ctr"/>
+            <a:r>
+              <a:rPr lang="pt-PT" sz="1100" dirty="0">
+                <a:solidFill>
+                  <a:schemeClr val="tx1"/>
+                </a:solidFill>
+              </a:rPr>
+              <a:t>4</a:t>
+            </a:r>
+          </a:p>
+        </p:txBody>
+      </p:sp>
+      <p:sp>
+        <p:nvSpPr>
+          <p:cNvPr id="20" name="Oval 19">
+            <a:extLst>
+              <a:ext uri="{FF2B5EF4-FFF2-40B4-BE49-F238E27FC236}">
+                <a16:creationId xmlns:a16="http://schemas.microsoft.com/office/drawing/2014/main" id="{7469A82F-81FE-4562-B4CA-1A0C26633DF4}"/>
+              </a:ext>
+            </a:extLst>
+          </p:cNvPr>
+          <p:cNvSpPr/>
+          <p:nvPr/>
+        </p:nvSpPr>
+        <p:spPr>
+          <a:xfrm>
+            <a:off x="174812" y="1229565"/>
+            <a:ext cx="190500" cy="209550"/>
+          </a:xfrm>
+          <a:prstGeom prst="ellipse">
+            <a:avLst/>
+          </a:prstGeom>
+          <a:solidFill>
+            <a:schemeClr val="bg1"/>
+          </a:solidFill>
+          <a:ln w="38100">
+            <a:solidFill>
+              <a:srgbClr val="FF0000"/>
+            </a:solidFill>
+          </a:ln>
+        </p:spPr>
+        <p:style>
+          <a:lnRef idx="2">
+            <a:schemeClr val="accent1">
+              <a:shade val="50000"/>
+            </a:schemeClr>
+          </a:lnRef>
+          <a:fillRef idx="1">
+            <a:schemeClr val="accent1"/>
+          </a:fillRef>
+          <a:effectRef idx="0">
+            <a:schemeClr val="accent1"/>
+          </a:effectRef>
+          <a:fontRef idx="minor">
+            <a:schemeClr val="lt1"/>
+          </a:fontRef>
+        </p:style>
+        <p:txBody>
+          <a:bodyPr rtlCol="0" anchor="ctr"/>
+          <a:lstStyle/>
+          <a:p>
+            <a:pPr algn="ctr"/>
+            <a:r>
+              <a:rPr lang="pt-PT" sz="1100" dirty="0">
+                <a:solidFill>
+                  <a:schemeClr val="tx1"/>
+                </a:solidFill>
+              </a:rPr>
+              <a:t>6</a:t>
+            </a:r>
+          </a:p>
+        </p:txBody>
+      </p:sp>
+      <p:sp>
+        <p:nvSpPr>
+          <p:cNvPr id="21" name="Oval 20">
+            <a:extLst>
+              <a:ext uri="{FF2B5EF4-FFF2-40B4-BE49-F238E27FC236}">
+                <a16:creationId xmlns:a16="http://schemas.microsoft.com/office/drawing/2014/main" id="{806794D4-9D45-419B-BABB-42AE545E8F80}"/>
+              </a:ext>
+            </a:extLst>
+          </p:cNvPr>
+          <p:cNvSpPr/>
+          <p:nvPr/>
+        </p:nvSpPr>
+        <p:spPr>
+          <a:xfrm>
+            <a:off x="1581150" y="2131919"/>
+            <a:ext cx="190500" cy="209550"/>
+          </a:xfrm>
+          <a:prstGeom prst="ellipse">
+            <a:avLst/>
+          </a:prstGeom>
+          <a:solidFill>
+            <a:schemeClr val="bg1"/>
+          </a:solidFill>
+          <a:ln w="38100">
+            <a:solidFill>
+              <a:srgbClr val="FF0000"/>
+            </a:solidFill>
+          </a:ln>
+        </p:spPr>
+        <p:style>
+          <a:lnRef idx="2">
+            <a:schemeClr val="accent1">
+              <a:shade val="50000"/>
+            </a:schemeClr>
+          </a:lnRef>
+          <a:fillRef idx="1">
+            <a:schemeClr val="accent1"/>
+          </a:fillRef>
+          <a:effectRef idx="0">
+            <a:schemeClr val="accent1"/>
+          </a:effectRef>
+          <a:fontRef idx="minor">
+            <a:schemeClr val="lt1"/>
+          </a:fontRef>
+        </p:style>
+        <p:txBody>
+          <a:bodyPr rtlCol="0" anchor="ctr"/>
+          <a:lstStyle/>
+          <a:p>
+            <a:pPr algn="ctr"/>
+            <a:r>
+              <a:rPr lang="pt-PT" sz="1100" dirty="0">
+                <a:solidFill>
+                  <a:schemeClr val="tx1"/>
+                </a:solidFill>
+              </a:rPr>
+              <a:t>7</a:t>
+            </a:r>
+          </a:p>
+        </p:txBody>
+      </p:sp>
+      <p:sp>
+        <p:nvSpPr>
+          <p:cNvPr id="22" name="Oval 21">
+            <a:extLst>
+              <a:ext uri="{FF2B5EF4-FFF2-40B4-BE49-F238E27FC236}">
+                <a16:creationId xmlns:a16="http://schemas.microsoft.com/office/drawing/2014/main" id="{3391E2D3-9EF3-4154-BF4D-D7C5053079CC}"/>
+              </a:ext>
+            </a:extLst>
+          </p:cNvPr>
+          <p:cNvSpPr/>
+          <p:nvPr/>
+        </p:nvSpPr>
+        <p:spPr>
+          <a:xfrm>
+            <a:off x="3057525" y="514630"/>
+            <a:ext cx="190500" cy="209550"/>
+          </a:xfrm>
+          <a:prstGeom prst="ellipse">
+            <a:avLst/>
+          </a:prstGeom>
+          <a:solidFill>
+            <a:schemeClr val="bg1"/>
+          </a:solidFill>
+          <a:ln w="38100">
+            <a:solidFill>
+              <a:srgbClr val="FF0000"/>
+            </a:solidFill>
+          </a:ln>
+        </p:spPr>
+        <p:style>
+          <a:lnRef idx="2">
+            <a:schemeClr val="accent1">
+              <a:shade val="50000"/>
+            </a:schemeClr>
+          </a:lnRef>
+          <a:fillRef idx="1">
+            <a:schemeClr val="accent1"/>
+          </a:fillRef>
+          <a:effectRef idx="0">
+            <a:schemeClr val="accent1"/>
+          </a:effectRef>
+          <a:fontRef idx="minor">
+            <a:schemeClr val="lt1"/>
+          </a:fontRef>
+        </p:style>
+        <p:txBody>
+          <a:bodyPr rtlCol="0" anchor="ctr"/>
+          <a:lstStyle/>
+          <a:p>
+            <a:pPr algn="ctr"/>
+            <a:r>
+              <a:rPr lang="pt-PT" sz="1100" dirty="0">
+                <a:solidFill>
+                  <a:schemeClr val="tx1"/>
+                </a:solidFill>
+              </a:rPr>
+              <a:t>5</a:t>
+            </a:r>
+          </a:p>
+        </p:txBody>
+      </p:sp>
+      <p:sp>
+        <p:nvSpPr>
+          <p:cNvPr id="23" name="Oval 22">
+            <a:extLst>
+              <a:ext uri="{FF2B5EF4-FFF2-40B4-BE49-F238E27FC236}">
+                <a16:creationId xmlns:a16="http://schemas.microsoft.com/office/drawing/2014/main" id="{C2990E25-E6F9-4050-86F5-FACFB01B1F1C}"/>
+              </a:ext>
+            </a:extLst>
+          </p:cNvPr>
+          <p:cNvSpPr/>
+          <p:nvPr/>
+        </p:nvSpPr>
+        <p:spPr>
+          <a:xfrm>
+            <a:off x="3125353" y="1105831"/>
+            <a:ext cx="190500" cy="209550"/>
+          </a:xfrm>
+          <a:prstGeom prst="ellipse">
+            <a:avLst/>
+          </a:prstGeom>
+          <a:solidFill>
+            <a:schemeClr val="bg1"/>
+          </a:solidFill>
+          <a:ln w="38100">
+            <a:solidFill>
+              <a:srgbClr val="FF0000"/>
+            </a:solidFill>
+          </a:ln>
+        </p:spPr>
+        <p:style>
+          <a:lnRef idx="2">
+            <a:schemeClr val="accent1">
+              <a:shade val="50000"/>
+            </a:schemeClr>
+          </a:lnRef>
+          <a:fillRef idx="1">
+            <a:schemeClr val="accent1"/>
+          </a:fillRef>
+          <a:effectRef idx="0">
+            <a:schemeClr val="accent1"/>
+          </a:effectRef>
+          <a:fontRef idx="minor">
+            <a:schemeClr val="lt1"/>
+          </a:fontRef>
+        </p:style>
+        <p:txBody>
+          <a:bodyPr rtlCol="0" anchor="ctr"/>
+          <a:lstStyle/>
+          <a:p>
+            <a:pPr algn="ctr"/>
+            <a:r>
+              <a:rPr lang="pt-PT" sz="1100" dirty="0">
+                <a:solidFill>
+                  <a:schemeClr val="tx1"/>
+                </a:solidFill>
+              </a:rPr>
+              <a:t>8</a:t>
+            </a:r>
+          </a:p>
+        </p:txBody>
+      </p:sp>
+      <p:sp>
+        <p:nvSpPr>
+          <p:cNvPr id="24" name="Oval 23">
+            <a:extLst>
+              <a:ext uri="{FF2B5EF4-FFF2-40B4-BE49-F238E27FC236}">
+                <a16:creationId xmlns:a16="http://schemas.microsoft.com/office/drawing/2014/main" id="{58E1FCE6-59A9-4DCA-B2D5-C487A2ED9645}"/>
+              </a:ext>
+            </a:extLst>
+          </p:cNvPr>
+          <p:cNvSpPr/>
+          <p:nvPr/>
+        </p:nvSpPr>
+        <p:spPr>
+          <a:xfrm>
+            <a:off x="3156103" y="1814575"/>
+            <a:ext cx="190500" cy="209550"/>
+          </a:xfrm>
+          <a:prstGeom prst="ellipse">
+            <a:avLst/>
+          </a:prstGeom>
+          <a:solidFill>
+            <a:schemeClr val="bg1"/>
+          </a:solidFill>
+          <a:ln w="38100">
+            <a:solidFill>
+              <a:srgbClr val="FF0000"/>
+            </a:solidFill>
+          </a:ln>
+        </p:spPr>
+        <p:style>
+          <a:lnRef idx="2">
+            <a:schemeClr val="accent1">
+              <a:shade val="50000"/>
+            </a:schemeClr>
+          </a:lnRef>
+          <a:fillRef idx="1">
+            <a:schemeClr val="accent1"/>
+          </a:fillRef>
+          <a:effectRef idx="0">
+            <a:schemeClr val="accent1"/>
+          </a:effectRef>
+          <a:fontRef idx="minor">
+            <a:schemeClr val="lt1"/>
+          </a:fontRef>
+        </p:style>
+        <p:txBody>
+          <a:bodyPr rtlCol="0" anchor="ctr"/>
+          <a:lstStyle/>
+          <a:p>
+            <a:pPr algn="ctr"/>
+            <a:r>
+              <a:rPr lang="pt-PT" sz="1100" dirty="0">
+                <a:solidFill>
+                  <a:schemeClr val="tx1"/>
+                </a:solidFill>
+              </a:rPr>
+              <a:t>9</a:t>
+            </a:r>
+          </a:p>
+        </p:txBody>
+      </p:sp>
+      <p:pic>
+        <p:nvPicPr>
+          <p:cNvPr id="25" name="Imagem 24">
+            <a:extLst>
+              <a:ext uri="{FF2B5EF4-FFF2-40B4-BE49-F238E27FC236}">
+                <a16:creationId xmlns:a16="http://schemas.microsoft.com/office/drawing/2014/main" id="{FED9E7C9-5ABD-4AAB-860B-BF09B4388F82}"/>
+              </a:ext>
+            </a:extLst>
+          </p:cNvPr>
+          <p:cNvPicPr>
+            <a:picLocks noChangeAspect="1"/>
+          </p:cNvPicPr>
+          <p:nvPr/>
+        </p:nvPicPr>
+        <p:blipFill>
+          <a:blip r:embed="rId3"/>
+          <a:stretch>
+            <a:fillRect/>
+          </a:stretch>
+        </p:blipFill>
+        <p:spPr>
+          <a:xfrm>
+            <a:off x="3375178" y="2872100"/>
+            <a:ext cx="252000" cy="246071"/>
+          </a:xfrm>
+          <a:prstGeom prst="rect">
+            <a:avLst/>
+          </a:prstGeom>
+        </p:spPr>
+      </p:pic>
+      <p:pic>
+        <p:nvPicPr>
+          <p:cNvPr id="26" name="Imagem 25">
+            <a:extLst>
+              <a:ext uri="{FF2B5EF4-FFF2-40B4-BE49-F238E27FC236}">
+                <a16:creationId xmlns:a16="http://schemas.microsoft.com/office/drawing/2014/main" id="{ADF19D93-AF44-4A5A-A0FE-229022E580E4}"/>
+              </a:ext>
+            </a:extLst>
+          </p:cNvPr>
+          <p:cNvPicPr>
+            <a:picLocks noChangeAspect="1"/>
+          </p:cNvPicPr>
+          <p:nvPr/>
+        </p:nvPicPr>
+        <p:blipFill>
+          <a:blip r:embed="rId4"/>
+          <a:stretch>
+            <a:fillRect/>
+          </a:stretch>
+        </p:blipFill>
+        <p:spPr>
+          <a:xfrm>
+            <a:off x="4192962" y="2872100"/>
+            <a:ext cx="252000" cy="246071"/>
+          </a:xfrm>
+          <a:prstGeom prst="rect">
+            <a:avLst/>
+          </a:prstGeom>
+        </p:spPr>
+      </p:pic>
+      <p:pic>
+        <p:nvPicPr>
+          <p:cNvPr id="27" name="Imagem 26">
+            <a:extLst>
+              <a:ext uri="{FF2B5EF4-FFF2-40B4-BE49-F238E27FC236}">
+                <a16:creationId xmlns:a16="http://schemas.microsoft.com/office/drawing/2014/main" id="{E62A5F03-A160-49D7-8D1D-7C206600FB3B}"/>
+              </a:ext>
+            </a:extLst>
+          </p:cNvPr>
+          <p:cNvPicPr>
+            <a:picLocks noChangeAspect="1"/>
+          </p:cNvPicPr>
+          <p:nvPr/>
+        </p:nvPicPr>
+        <p:blipFill>
+          <a:blip r:embed="rId5"/>
+          <a:stretch>
+            <a:fillRect/>
+          </a:stretch>
+        </p:blipFill>
+        <p:spPr>
+          <a:xfrm>
+            <a:off x="4884746" y="2872100"/>
+            <a:ext cx="252000" cy="246070"/>
+          </a:xfrm>
+          <a:prstGeom prst="rect">
+            <a:avLst/>
+          </a:prstGeom>
+        </p:spPr>
+      </p:pic>
     </p:spTree>
     <p:extLst>
       <p:ext uri="{BB962C8B-B14F-4D97-AF65-F5344CB8AC3E}">
@@ -7442,56 +8061,335 @@
           <a:chExt cx="0" cy="0"/>
         </a:xfrm>
       </p:grpSpPr>
-      <p:sp>
-        <p:nvSpPr>
-          <p:cNvPr id="2" name="Título 1">
-            <a:extLst>
-              <a:ext uri="{FF2B5EF4-FFF2-40B4-BE49-F238E27FC236}">
-                <a16:creationId xmlns:a16="http://schemas.microsoft.com/office/drawing/2014/main" id="{4D9E784F-7BF8-4588-9F52-93F39837C571}"/>
-              </a:ext>
-            </a:extLst>
-          </p:cNvPr>
-          <p:cNvSpPr>
-            <a:spLocks noGrp="1"/>
-          </p:cNvSpPr>
-          <p:nvPr>
-            <p:ph type="title"/>
-          </p:nvPr>
-        </p:nvSpPr>
-        <p:spPr/>
-        <p:txBody>
-          <a:bodyPr/>
-          <a:lstStyle/>
-          <a:p>
-            <a:endParaRPr lang="pt-PT"/>
-          </a:p>
-        </p:txBody>
-      </p:sp>
-      <p:sp>
-        <p:nvSpPr>
-          <p:cNvPr id="3" name="Marcador de Posição de Conteúdo 2">
-            <a:extLst>
-              <a:ext uri="{FF2B5EF4-FFF2-40B4-BE49-F238E27FC236}">
-                <a16:creationId xmlns:a16="http://schemas.microsoft.com/office/drawing/2014/main" id="{57E5A63C-0F4F-4594-8201-FA21EFCE2064}"/>
-              </a:ext>
-            </a:extLst>
-          </p:cNvPr>
-          <p:cNvSpPr>
-            <a:spLocks noGrp="1"/>
-          </p:cNvSpPr>
-          <p:nvPr>
-            <p:ph idx="1"/>
-          </p:nvPr>
-        </p:nvSpPr>
-        <p:spPr/>
-        <p:txBody>
-          <a:bodyPr/>
-          <a:lstStyle/>
-          <a:p>
-            <a:endParaRPr lang="pt-PT"/>
-          </a:p>
-        </p:txBody>
-      </p:sp>
+      <p:pic>
+        <p:nvPicPr>
+          <p:cNvPr id="4" name="Imagem 3">
+            <a:extLst>
+              <a:ext uri="{FF2B5EF4-FFF2-40B4-BE49-F238E27FC236}">
+                <a16:creationId xmlns:a16="http://schemas.microsoft.com/office/drawing/2014/main" id="{565FE4A8-E4EA-44E0-B2E9-FED881945139}"/>
+              </a:ext>
+            </a:extLst>
+          </p:cNvPr>
+          <p:cNvPicPr>
+            <a:picLocks noChangeAspect="1"/>
+          </p:cNvPicPr>
+          <p:nvPr/>
+        </p:nvPicPr>
+        <p:blipFill rotWithShape="1">
+          <a:blip r:embed="rId2"/>
+          <a:srcRect b="4861"/>
+          <a:stretch/>
+        </p:blipFill>
+        <p:spPr>
+          <a:xfrm>
+            <a:off x="0" y="0"/>
+            <a:ext cx="12192000" cy="6524625"/>
+          </a:xfrm>
+          <a:prstGeom prst="rect">
+            <a:avLst/>
+          </a:prstGeom>
+        </p:spPr>
+      </p:pic>
+      <p:pic>
+        <p:nvPicPr>
+          <p:cNvPr id="5" name="Imagem 4">
+            <a:extLst>
+              <a:ext uri="{FF2B5EF4-FFF2-40B4-BE49-F238E27FC236}">
+                <a16:creationId xmlns:a16="http://schemas.microsoft.com/office/drawing/2014/main" id="{4CF3785F-E708-46FB-BC5C-851DA6E0A0B6}"/>
+              </a:ext>
+            </a:extLst>
+          </p:cNvPr>
+          <p:cNvPicPr>
+            <a:picLocks noChangeAspect="1"/>
+          </p:cNvPicPr>
+          <p:nvPr/>
+        </p:nvPicPr>
+        <p:blipFill>
+          <a:blip r:embed="rId3"/>
+          <a:stretch>
+            <a:fillRect/>
+          </a:stretch>
+        </p:blipFill>
+        <p:spPr>
+          <a:xfrm>
+            <a:off x="2527927" y="3060012"/>
+            <a:ext cx="231668" cy="253006"/>
+          </a:xfrm>
+          <a:prstGeom prst="rect">
+            <a:avLst/>
+          </a:prstGeom>
+        </p:spPr>
+      </p:pic>
+      <p:pic>
+        <p:nvPicPr>
+          <p:cNvPr id="6" name="Imagem 5">
+            <a:extLst>
+              <a:ext uri="{FF2B5EF4-FFF2-40B4-BE49-F238E27FC236}">
+                <a16:creationId xmlns:a16="http://schemas.microsoft.com/office/drawing/2014/main" id="{08BFE385-99E9-4B83-9E48-4D0D012FA1B5}"/>
+              </a:ext>
+            </a:extLst>
+          </p:cNvPr>
+          <p:cNvPicPr>
+            <a:picLocks noChangeAspect="1"/>
+          </p:cNvPicPr>
+          <p:nvPr/>
+        </p:nvPicPr>
+        <p:blipFill>
+          <a:blip r:embed="rId4"/>
+          <a:stretch>
+            <a:fillRect/>
+          </a:stretch>
+        </p:blipFill>
+        <p:spPr>
+          <a:xfrm>
+            <a:off x="3177161" y="1050548"/>
+            <a:ext cx="231669" cy="253007"/>
+          </a:xfrm>
+          <a:prstGeom prst="rect">
+            <a:avLst/>
+          </a:prstGeom>
+        </p:spPr>
+      </p:pic>
+      <p:pic>
+        <p:nvPicPr>
+          <p:cNvPr id="7" name="Imagem 6">
+            <a:extLst>
+              <a:ext uri="{FF2B5EF4-FFF2-40B4-BE49-F238E27FC236}">
+                <a16:creationId xmlns:a16="http://schemas.microsoft.com/office/drawing/2014/main" id="{1B50E4CE-5875-45BD-A3F8-3F6D7E0C1E8D}"/>
+              </a:ext>
+            </a:extLst>
+          </p:cNvPr>
+          <p:cNvPicPr>
+            <a:picLocks noChangeAspect="1"/>
+          </p:cNvPicPr>
+          <p:nvPr/>
+        </p:nvPicPr>
+        <p:blipFill>
+          <a:blip r:embed="rId5"/>
+          <a:stretch>
+            <a:fillRect/>
+          </a:stretch>
+        </p:blipFill>
+        <p:spPr>
+          <a:xfrm>
+            <a:off x="4895167" y="1082729"/>
+            <a:ext cx="231669" cy="253007"/>
+          </a:xfrm>
+          <a:prstGeom prst="rect">
+            <a:avLst/>
+          </a:prstGeom>
+        </p:spPr>
+      </p:pic>
+      <p:pic>
+        <p:nvPicPr>
+          <p:cNvPr id="8" name="Imagem 7">
+            <a:extLst>
+              <a:ext uri="{FF2B5EF4-FFF2-40B4-BE49-F238E27FC236}">
+                <a16:creationId xmlns:a16="http://schemas.microsoft.com/office/drawing/2014/main" id="{C7CF6816-E7FD-4018-AE94-77FB40FF4BD8}"/>
+              </a:ext>
+            </a:extLst>
+          </p:cNvPr>
+          <p:cNvPicPr>
+            <a:picLocks noChangeAspect="1"/>
+          </p:cNvPicPr>
+          <p:nvPr/>
+        </p:nvPicPr>
+        <p:blipFill>
+          <a:blip r:embed="rId6"/>
+          <a:stretch>
+            <a:fillRect/>
+          </a:stretch>
+        </p:blipFill>
+        <p:spPr>
+          <a:xfrm>
+            <a:off x="4895167" y="1408330"/>
+            <a:ext cx="231669" cy="253007"/>
+          </a:xfrm>
+          <a:prstGeom prst="rect">
+            <a:avLst/>
+          </a:prstGeom>
+        </p:spPr>
+      </p:pic>
+      <p:pic>
+        <p:nvPicPr>
+          <p:cNvPr id="9" name="Imagem 8">
+            <a:extLst>
+              <a:ext uri="{FF2B5EF4-FFF2-40B4-BE49-F238E27FC236}">
+                <a16:creationId xmlns:a16="http://schemas.microsoft.com/office/drawing/2014/main" id="{C29D3F62-CB8A-4CC1-BB92-E4523D90D281}"/>
+              </a:ext>
+            </a:extLst>
+          </p:cNvPr>
+          <p:cNvPicPr>
+            <a:picLocks noChangeAspect="1"/>
+          </p:cNvPicPr>
+          <p:nvPr/>
+        </p:nvPicPr>
+        <p:blipFill>
+          <a:blip r:embed="rId7"/>
+          <a:stretch>
+            <a:fillRect/>
+          </a:stretch>
+        </p:blipFill>
+        <p:spPr>
+          <a:xfrm>
+            <a:off x="4895167" y="1733931"/>
+            <a:ext cx="231669" cy="253007"/>
+          </a:xfrm>
+          <a:prstGeom prst="rect">
+            <a:avLst/>
+          </a:prstGeom>
+        </p:spPr>
+      </p:pic>
+      <p:pic>
+        <p:nvPicPr>
+          <p:cNvPr id="10" name="Imagem 9">
+            <a:extLst>
+              <a:ext uri="{FF2B5EF4-FFF2-40B4-BE49-F238E27FC236}">
+                <a16:creationId xmlns:a16="http://schemas.microsoft.com/office/drawing/2014/main" id="{BE45C091-85DD-43C3-BE0D-568BDA62CC79}"/>
+              </a:ext>
+            </a:extLst>
+          </p:cNvPr>
+          <p:cNvPicPr>
+            <a:picLocks noChangeAspect="1"/>
+          </p:cNvPicPr>
+          <p:nvPr/>
+        </p:nvPicPr>
+        <p:blipFill>
+          <a:blip r:embed="rId8"/>
+          <a:stretch>
+            <a:fillRect/>
+          </a:stretch>
+        </p:blipFill>
+        <p:spPr>
+          <a:xfrm>
+            <a:off x="3204615" y="1994206"/>
+            <a:ext cx="231669" cy="253007"/>
+          </a:xfrm>
+          <a:prstGeom prst="rect">
+            <a:avLst/>
+          </a:prstGeom>
+        </p:spPr>
+      </p:pic>
+      <p:pic>
+        <p:nvPicPr>
+          <p:cNvPr id="11" name="Imagem 10">
+            <a:extLst>
+              <a:ext uri="{FF2B5EF4-FFF2-40B4-BE49-F238E27FC236}">
+                <a16:creationId xmlns:a16="http://schemas.microsoft.com/office/drawing/2014/main" id="{56DCA5DE-E21A-4FAE-9D1F-B22171263444}"/>
+              </a:ext>
+            </a:extLst>
+          </p:cNvPr>
+          <p:cNvPicPr>
+            <a:picLocks noChangeAspect="1"/>
+          </p:cNvPicPr>
+          <p:nvPr/>
+        </p:nvPicPr>
+        <p:blipFill>
+          <a:blip r:embed="rId9"/>
+          <a:stretch>
+            <a:fillRect/>
+          </a:stretch>
+        </p:blipFill>
+        <p:spPr>
+          <a:xfrm>
+            <a:off x="3932875" y="1995889"/>
+            <a:ext cx="231669" cy="253007"/>
+          </a:xfrm>
+          <a:prstGeom prst="rect">
+            <a:avLst/>
+          </a:prstGeom>
+        </p:spPr>
+      </p:pic>
+      <p:pic>
+        <p:nvPicPr>
+          <p:cNvPr id="12" name="Imagem 11">
+            <a:extLst>
+              <a:ext uri="{FF2B5EF4-FFF2-40B4-BE49-F238E27FC236}">
+                <a16:creationId xmlns:a16="http://schemas.microsoft.com/office/drawing/2014/main" id="{35F03AFD-AF38-495A-BA1B-AA9D6908D7C5}"/>
+              </a:ext>
+            </a:extLst>
+          </p:cNvPr>
+          <p:cNvPicPr>
+            <a:picLocks noChangeAspect="1"/>
+          </p:cNvPicPr>
+          <p:nvPr/>
+        </p:nvPicPr>
+        <p:blipFill>
+          <a:blip r:embed="rId10"/>
+          <a:stretch>
+            <a:fillRect/>
+          </a:stretch>
+        </p:blipFill>
+        <p:spPr>
+          <a:xfrm>
+            <a:off x="3166102" y="3507688"/>
+            <a:ext cx="231669" cy="253007"/>
+          </a:xfrm>
+          <a:prstGeom prst="rect">
+            <a:avLst/>
+          </a:prstGeom>
+        </p:spPr>
+      </p:pic>
+      <p:pic>
+        <p:nvPicPr>
+          <p:cNvPr id="13" name="Imagem 12">
+            <a:extLst>
+              <a:ext uri="{FF2B5EF4-FFF2-40B4-BE49-F238E27FC236}">
+                <a16:creationId xmlns:a16="http://schemas.microsoft.com/office/drawing/2014/main" id="{B3DEE720-2EB4-4B05-BC0C-6A5371A7D421}"/>
+              </a:ext>
+            </a:extLst>
+          </p:cNvPr>
+          <p:cNvPicPr>
+            <a:picLocks noChangeAspect="1"/>
+          </p:cNvPicPr>
+          <p:nvPr/>
+        </p:nvPicPr>
+        <p:blipFill>
+          <a:blip r:embed="rId11"/>
+          <a:stretch>
+            <a:fillRect/>
+          </a:stretch>
+        </p:blipFill>
+        <p:spPr>
+          <a:xfrm>
+            <a:off x="949432" y="3429000"/>
+            <a:ext cx="231670" cy="253008"/>
+          </a:xfrm>
+          <a:prstGeom prst="rect">
+            <a:avLst/>
+          </a:prstGeom>
+        </p:spPr>
+      </p:pic>
+      <p:pic>
+        <p:nvPicPr>
+          <p:cNvPr id="14" name="Imagem 13">
+            <a:extLst>
+              <a:ext uri="{FF2B5EF4-FFF2-40B4-BE49-F238E27FC236}">
+                <a16:creationId xmlns:a16="http://schemas.microsoft.com/office/drawing/2014/main" id="{8A72FC38-7825-4382-B21D-77E977C4A74E}"/>
+              </a:ext>
+            </a:extLst>
+          </p:cNvPr>
+          <p:cNvPicPr>
+            <a:picLocks noChangeAspect="1"/>
+          </p:cNvPicPr>
+          <p:nvPr/>
+        </p:nvPicPr>
+        <p:blipFill>
+          <a:blip r:embed="rId12"/>
+          <a:stretch>
+            <a:fillRect/>
+          </a:stretch>
+        </p:blipFill>
+        <p:spPr>
+          <a:xfrm>
+            <a:off x="112371" y="414739"/>
+            <a:ext cx="259105" cy="253008"/>
+          </a:xfrm>
+          <a:prstGeom prst="rect">
+            <a:avLst/>
+          </a:prstGeom>
+        </p:spPr>
+      </p:pic>
     </p:spTree>
     <p:extLst>
       <p:ext uri="{BB962C8B-B14F-4D97-AF65-F5344CB8AC3E}">

--- a/Relatorio/Imagens.pptx
+++ b/Relatorio/Imagens.pptx
@@ -14,6 +14,11 @@
     <p:sldId id="262" r:id="rId8"/>
     <p:sldId id="263" r:id="rId9"/>
     <p:sldId id="264" r:id="rId10"/>
+    <p:sldId id="265" r:id="rId11"/>
+    <p:sldId id="266" r:id="rId12"/>
+    <p:sldId id="267" r:id="rId13"/>
+    <p:sldId id="268" r:id="rId14"/>
+    <p:sldId id="269" r:id="rId15"/>
   </p:sldIdLst>
   <p:sldSz cx="12192000" cy="6858000"/>
   <p:notesSz cx="6858000" cy="9144000"/>
@@ -267,7 +272,7 @@
           <a:p>
             <a:fld id="{288D8905-2724-49C2-A645-FD965E6C5596}" type="datetimeFigureOut">
               <a:rPr lang="pt-PT" smtClean="0"/>
-              <a:t>11/02/2020</a:t>
+              <a:t>12/02/2020</a:t>
             </a:fld>
             <a:endParaRPr lang="pt-PT"/>
           </a:p>
@@ -465,7 +470,7 @@
           <a:p>
             <a:fld id="{288D8905-2724-49C2-A645-FD965E6C5596}" type="datetimeFigureOut">
               <a:rPr lang="pt-PT" smtClean="0"/>
-              <a:t>11/02/2020</a:t>
+              <a:t>12/02/2020</a:t>
             </a:fld>
             <a:endParaRPr lang="pt-PT"/>
           </a:p>
@@ -673,7 +678,7 @@
           <a:p>
             <a:fld id="{288D8905-2724-49C2-A645-FD965E6C5596}" type="datetimeFigureOut">
               <a:rPr lang="pt-PT" smtClean="0"/>
-              <a:t>11/02/2020</a:t>
+              <a:t>12/02/2020</a:t>
             </a:fld>
             <a:endParaRPr lang="pt-PT"/>
           </a:p>
@@ -871,7 +876,7 @@
           <a:p>
             <a:fld id="{288D8905-2724-49C2-A645-FD965E6C5596}" type="datetimeFigureOut">
               <a:rPr lang="pt-PT" smtClean="0"/>
-              <a:t>11/02/2020</a:t>
+              <a:t>12/02/2020</a:t>
             </a:fld>
             <a:endParaRPr lang="pt-PT"/>
           </a:p>
@@ -1146,7 +1151,7 @@
           <a:p>
             <a:fld id="{288D8905-2724-49C2-A645-FD965E6C5596}" type="datetimeFigureOut">
               <a:rPr lang="pt-PT" smtClean="0"/>
-              <a:t>11/02/2020</a:t>
+              <a:t>12/02/2020</a:t>
             </a:fld>
             <a:endParaRPr lang="pt-PT"/>
           </a:p>
@@ -1411,7 +1416,7 @@
           <a:p>
             <a:fld id="{288D8905-2724-49C2-A645-FD965E6C5596}" type="datetimeFigureOut">
               <a:rPr lang="pt-PT" smtClean="0"/>
-              <a:t>11/02/2020</a:t>
+              <a:t>12/02/2020</a:t>
             </a:fld>
             <a:endParaRPr lang="pt-PT"/>
           </a:p>
@@ -1823,7 +1828,7 @@
           <a:p>
             <a:fld id="{288D8905-2724-49C2-A645-FD965E6C5596}" type="datetimeFigureOut">
               <a:rPr lang="pt-PT" smtClean="0"/>
-              <a:t>11/02/2020</a:t>
+              <a:t>12/02/2020</a:t>
             </a:fld>
             <a:endParaRPr lang="pt-PT"/>
           </a:p>
@@ -1964,7 +1969,7 @@
           <a:p>
             <a:fld id="{288D8905-2724-49C2-A645-FD965E6C5596}" type="datetimeFigureOut">
               <a:rPr lang="pt-PT" smtClean="0"/>
-              <a:t>11/02/2020</a:t>
+              <a:t>12/02/2020</a:t>
             </a:fld>
             <a:endParaRPr lang="pt-PT"/>
           </a:p>
@@ -2077,7 +2082,7 @@
           <a:p>
             <a:fld id="{288D8905-2724-49C2-A645-FD965E6C5596}" type="datetimeFigureOut">
               <a:rPr lang="pt-PT" smtClean="0"/>
-              <a:t>11/02/2020</a:t>
+              <a:t>12/02/2020</a:t>
             </a:fld>
             <a:endParaRPr lang="pt-PT"/>
           </a:p>
@@ -2388,7 +2393,7 @@
           <a:p>
             <a:fld id="{288D8905-2724-49C2-A645-FD965E6C5596}" type="datetimeFigureOut">
               <a:rPr lang="pt-PT" smtClean="0"/>
-              <a:t>11/02/2020</a:t>
+              <a:t>12/02/2020</a:t>
             </a:fld>
             <a:endParaRPr lang="pt-PT"/>
           </a:p>
@@ -2676,7 +2681,7 @@
           <a:p>
             <a:fld id="{288D8905-2724-49C2-A645-FD965E6C5596}" type="datetimeFigureOut">
               <a:rPr lang="pt-PT" smtClean="0"/>
-              <a:t>11/02/2020</a:t>
+              <a:t>12/02/2020</a:t>
             </a:fld>
             <a:endParaRPr lang="pt-PT"/>
           </a:p>
@@ -2917,7 +2922,7 @@
           <a:p>
             <a:fld id="{288D8905-2724-49C2-A645-FD965E6C5596}" type="datetimeFigureOut">
               <a:rPr lang="pt-PT" smtClean="0"/>
-              <a:t>11/02/2020</a:t>
+              <a:t>12/02/2020</a:t>
             </a:fld>
             <a:endParaRPr lang="pt-PT"/>
           </a:p>
@@ -3776,6 +3781,578 @@
 </p:sld>
 </file>
 
+<file path=ppt/slides/slide10.xml><?xml version="1.0" encoding="utf-8"?>
+<p:sld xmlns:a="http://schemas.openxmlformats.org/drawingml/2006/main" xmlns:r="http://schemas.openxmlformats.org/officeDocument/2006/relationships" xmlns:p="http://schemas.openxmlformats.org/presentationml/2006/main">
+  <p:cSld>
+    <p:spTree>
+      <p:nvGrpSpPr>
+        <p:cNvPr id="1" name=""/>
+        <p:cNvGrpSpPr/>
+        <p:nvPr/>
+      </p:nvGrpSpPr>
+      <p:grpSpPr>
+        <a:xfrm>
+          <a:off x="0" y="0"/>
+          <a:ext cx="0" cy="0"/>
+          <a:chOff x="0" y="0"/>
+          <a:chExt cx="0" cy="0"/>
+        </a:xfrm>
+      </p:grpSpPr>
+      <p:pic>
+        <p:nvPicPr>
+          <p:cNvPr id="22" name="Imagem 21">
+            <a:extLst>
+              <a:ext uri="{FF2B5EF4-FFF2-40B4-BE49-F238E27FC236}">
+                <a16:creationId xmlns:a16="http://schemas.microsoft.com/office/drawing/2014/main" id="{EBF77962-720F-4099-81A5-8CDE780A8A80}"/>
+              </a:ext>
+            </a:extLst>
+          </p:cNvPr>
+          <p:cNvPicPr>
+            <a:picLocks noChangeAspect="1"/>
+          </p:cNvPicPr>
+          <p:nvPr/>
+        </p:nvPicPr>
+        <p:blipFill>
+          <a:blip r:embed="rId2"/>
+          <a:stretch>
+            <a:fillRect/>
+          </a:stretch>
+        </p:blipFill>
+        <p:spPr>
+          <a:xfrm>
+            <a:off x="5237682" y="865698"/>
+            <a:ext cx="5346318" cy="2736000"/>
+          </a:xfrm>
+          <a:prstGeom prst="rect">
+            <a:avLst/>
+          </a:prstGeom>
+        </p:spPr>
+      </p:pic>
+      <p:pic>
+        <p:nvPicPr>
+          <p:cNvPr id="21" name="Imagem 20">
+            <a:extLst>
+              <a:ext uri="{FF2B5EF4-FFF2-40B4-BE49-F238E27FC236}">
+                <a16:creationId xmlns:a16="http://schemas.microsoft.com/office/drawing/2014/main" id="{BE09731E-87FF-45EF-8AD5-CC36F7B4CC79}"/>
+              </a:ext>
+            </a:extLst>
+          </p:cNvPr>
+          <p:cNvPicPr>
+            <a:picLocks noChangeAspect="1"/>
+          </p:cNvPicPr>
+          <p:nvPr/>
+        </p:nvPicPr>
+        <p:blipFill>
+          <a:blip r:embed="rId3"/>
+          <a:stretch>
+            <a:fillRect/>
+          </a:stretch>
+        </p:blipFill>
+        <p:spPr>
+          <a:xfrm>
+            <a:off x="1608000" y="864000"/>
+            <a:ext cx="3648000" cy="2736000"/>
+          </a:xfrm>
+          <a:prstGeom prst="rect">
+            <a:avLst/>
+          </a:prstGeom>
+        </p:spPr>
+      </p:pic>
+      <p:pic>
+        <p:nvPicPr>
+          <p:cNvPr id="6" name="Imagem 5">
+            <a:extLst>
+              <a:ext uri="{FF2B5EF4-FFF2-40B4-BE49-F238E27FC236}">
+                <a16:creationId xmlns:a16="http://schemas.microsoft.com/office/drawing/2014/main" id="{9FB7369E-E51D-47DD-B143-B7D6D21D1157}"/>
+              </a:ext>
+            </a:extLst>
+          </p:cNvPr>
+          <p:cNvPicPr>
+            <a:picLocks noChangeAspect="1"/>
+          </p:cNvPicPr>
+          <p:nvPr/>
+        </p:nvPicPr>
+        <p:blipFill rotWithShape="1">
+          <a:blip r:embed="rId4"/>
+          <a:srcRect l="25000" t="16667" r="24687" b="50000"/>
+          <a:stretch/>
+        </p:blipFill>
+        <p:spPr>
+          <a:xfrm>
+            <a:off x="3432000" y="3600000"/>
+            <a:ext cx="5328000" cy="2581260"/>
+          </a:xfrm>
+          <a:prstGeom prst="rect">
+            <a:avLst/>
+          </a:prstGeom>
+        </p:spPr>
+      </p:pic>
+      <p:sp>
+        <p:nvSpPr>
+          <p:cNvPr id="8" name="CaixaDeTexto 7">
+            <a:extLst>
+              <a:ext uri="{FF2B5EF4-FFF2-40B4-BE49-F238E27FC236}">
+                <a16:creationId xmlns:a16="http://schemas.microsoft.com/office/drawing/2014/main" id="{299F6525-E1AC-43CD-A53C-26FE84EF679E}"/>
+              </a:ext>
+            </a:extLst>
+          </p:cNvPr>
+          <p:cNvSpPr txBox="1"/>
+          <p:nvPr/>
+        </p:nvSpPr>
+        <p:spPr>
+          <a:xfrm>
+            <a:off x="1919235" y="3245618"/>
+            <a:ext cx="291402" cy="369332"/>
+          </a:xfrm>
+          <a:prstGeom prst="rect">
+            <a:avLst/>
+          </a:prstGeom>
+          <a:noFill/>
+        </p:spPr>
+        <p:txBody>
+          <a:bodyPr wrap="square" rtlCol="0">
+            <a:spAutoFit/>
+          </a:bodyPr>
+          <a:lstStyle/>
+          <a:p>
+            <a:r>
+              <a:rPr lang="pt-PT" dirty="0"/>
+              <a:t>A</a:t>
+            </a:r>
+          </a:p>
+        </p:txBody>
+      </p:sp>
+      <p:sp>
+        <p:nvSpPr>
+          <p:cNvPr id="10" name="CaixaDeTexto 9">
+            <a:extLst>
+              <a:ext uri="{FF2B5EF4-FFF2-40B4-BE49-F238E27FC236}">
+                <a16:creationId xmlns:a16="http://schemas.microsoft.com/office/drawing/2014/main" id="{AF1B250C-9614-4F23-B436-55FC2BB52101}"/>
+              </a:ext>
+            </a:extLst>
+          </p:cNvPr>
+          <p:cNvSpPr txBox="1"/>
+          <p:nvPr/>
+        </p:nvSpPr>
+        <p:spPr>
+          <a:xfrm>
+            <a:off x="5522473" y="3230668"/>
+            <a:ext cx="291402" cy="369332"/>
+          </a:xfrm>
+          <a:prstGeom prst="rect">
+            <a:avLst/>
+          </a:prstGeom>
+          <a:noFill/>
+        </p:spPr>
+        <p:txBody>
+          <a:bodyPr wrap="square" rtlCol="0">
+            <a:spAutoFit/>
+          </a:bodyPr>
+          <a:lstStyle/>
+          <a:p>
+            <a:r>
+              <a:rPr lang="pt-PT" dirty="0"/>
+              <a:t>B</a:t>
+            </a:r>
+          </a:p>
+        </p:txBody>
+      </p:sp>
+      <p:sp>
+        <p:nvSpPr>
+          <p:cNvPr id="11" name="CaixaDeTexto 10">
+            <a:extLst>
+              <a:ext uri="{FF2B5EF4-FFF2-40B4-BE49-F238E27FC236}">
+                <a16:creationId xmlns:a16="http://schemas.microsoft.com/office/drawing/2014/main" id="{E86AF45B-668B-472C-8E14-4C84BE9E1E7D}"/>
+              </a:ext>
+            </a:extLst>
+          </p:cNvPr>
+          <p:cNvSpPr txBox="1"/>
+          <p:nvPr/>
+        </p:nvSpPr>
+        <p:spPr>
+          <a:xfrm>
+            <a:off x="3577293" y="5809334"/>
+            <a:ext cx="291402" cy="369332"/>
+          </a:xfrm>
+          <a:prstGeom prst="rect">
+            <a:avLst/>
+          </a:prstGeom>
+          <a:noFill/>
+        </p:spPr>
+        <p:txBody>
+          <a:bodyPr wrap="square" rtlCol="0">
+            <a:spAutoFit/>
+          </a:bodyPr>
+          <a:lstStyle/>
+          <a:p>
+            <a:r>
+              <a:rPr lang="pt-PT" dirty="0"/>
+              <a:t>C</a:t>
+            </a:r>
+          </a:p>
+        </p:txBody>
+      </p:sp>
+    </p:spTree>
+    <p:extLst>
+      <p:ext uri="{BB962C8B-B14F-4D97-AF65-F5344CB8AC3E}">
+        <p14:creationId xmlns:p14="http://schemas.microsoft.com/office/powerpoint/2010/main" val="588968311"/>
+      </p:ext>
+    </p:extLst>
+  </p:cSld>
+  <p:clrMapOvr>
+    <a:masterClrMapping/>
+  </p:clrMapOvr>
+</p:sld>
+</file>
+
+<file path=ppt/slides/slide11.xml><?xml version="1.0" encoding="utf-8"?>
+<p:sld xmlns:a="http://schemas.openxmlformats.org/drawingml/2006/main" xmlns:r="http://schemas.openxmlformats.org/officeDocument/2006/relationships" xmlns:p="http://schemas.openxmlformats.org/presentationml/2006/main">
+  <p:cSld>
+    <p:spTree>
+      <p:nvGrpSpPr>
+        <p:cNvPr id="1" name=""/>
+        <p:cNvGrpSpPr/>
+        <p:nvPr/>
+      </p:nvGrpSpPr>
+      <p:grpSpPr>
+        <a:xfrm>
+          <a:off x="0" y="0"/>
+          <a:ext cx="0" cy="0"/>
+          <a:chOff x="0" y="0"/>
+          <a:chExt cx="0" cy="0"/>
+        </a:xfrm>
+      </p:grpSpPr>
+      <p:sp>
+        <p:nvSpPr>
+          <p:cNvPr id="2" name="Título 1">
+            <a:extLst>
+              <a:ext uri="{FF2B5EF4-FFF2-40B4-BE49-F238E27FC236}">
+                <a16:creationId xmlns:a16="http://schemas.microsoft.com/office/drawing/2014/main" id="{17762544-B49C-4EA9-B97D-8C902FCF6BEA}"/>
+              </a:ext>
+            </a:extLst>
+          </p:cNvPr>
+          <p:cNvSpPr>
+            <a:spLocks noGrp="1"/>
+          </p:cNvSpPr>
+          <p:nvPr>
+            <p:ph type="title"/>
+          </p:nvPr>
+        </p:nvSpPr>
+        <p:spPr/>
+        <p:txBody>
+          <a:bodyPr/>
+          <a:lstStyle/>
+          <a:p>
+            <a:endParaRPr lang="pt-PT"/>
+          </a:p>
+        </p:txBody>
+      </p:sp>
+      <p:sp>
+        <p:nvSpPr>
+          <p:cNvPr id="3" name="Marcador de Posição de Conteúdo 2">
+            <a:extLst>
+              <a:ext uri="{FF2B5EF4-FFF2-40B4-BE49-F238E27FC236}">
+                <a16:creationId xmlns:a16="http://schemas.microsoft.com/office/drawing/2014/main" id="{EB1BB6DB-2DF0-47F0-B185-ED1020511632}"/>
+              </a:ext>
+            </a:extLst>
+          </p:cNvPr>
+          <p:cNvSpPr>
+            <a:spLocks noGrp="1"/>
+          </p:cNvSpPr>
+          <p:nvPr>
+            <p:ph idx="1"/>
+          </p:nvPr>
+        </p:nvSpPr>
+        <p:spPr/>
+        <p:txBody>
+          <a:bodyPr/>
+          <a:lstStyle/>
+          <a:p>
+            <a:endParaRPr lang="pt-PT"/>
+          </a:p>
+        </p:txBody>
+      </p:sp>
+      <p:pic>
+        <p:nvPicPr>
+          <p:cNvPr id="4" name="Imagem 3">
+            <a:extLst>
+              <a:ext uri="{FF2B5EF4-FFF2-40B4-BE49-F238E27FC236}">
+                <a16:creationId xmlns:a16="http://schemas.microsoft.com/office/drawing/2014/main" id="{EC97AD2A-EF9D-42E4-8434-F011DC1A0ABE}"/>
+              </a:ext>
+            </a:extLst>
+          </p:cNvPr>
+          <p:cNvPicPr/>
+          <p:nvPr/>
+        </p:nvPicPr>
+        <p:blipFill>
+          <a:blip r:embed="rId2"/>
+          <a:stretch>
+            <a:fillRect/>
+          </a:stretch>
+        </p:blipFill>
+        <p:spPr>
+          <a:xfrm>
+            <a:off x="4572000" y="2314575"/>
+            <a:ext cx="3048000" cy="2228850"/>
+          </a:xfrm>
+          <a:prstGeom prst="rect">
+            <a:avLst/>
+          </a:prstGeom>
+        </p:spPr>
+      </p:pic>
+    </p:spTree>
+    <p:extLst>
+      <p:ext uri="{BB962C8B-B14F-4D97-AF65-F5344CB8AC3E}">
+        <p14:creationId xmlns:p14="http://schemas.microsoft.com/office/powerpoint/2010/main" val="1886146980"/>
+      </p:ext>
+    </p:extLst>
+  </p:cSld>
+  <p:clrMapOvr>
+    <a:masterClrMapping/>
+  </p:clrMapOvr>
+</p:sld>
+</file>
+
+<file path=ppt/slides/slide12.xml><?xml version="1.0" encoding="utf-8"?>
+<p:sld xmlns:a="http://schemas.openxmlformats.org/drawingml/2006/main" xmlns:r="http://schemas.openxmlformats.org/officeDocument/2006/relationships" xmlns:p="http://schemas.openxmlformats.org/presentationml/2006/main">
+  <p:cSld>
+    <p:spTree>
+      <p:nvGrpSpPr>
+        <p:cNvPr id="1" name=""/>
+        <p:cNvGrpSpPr/>
+        <p:nvPr/>
+      </p:nvGrpSpPr>
+      <p:grpSpPr>
+        <a:xfrm>
+          <a:off x="0" y="0"/>
+          <a:ext cx="0" cy="0"/>
+          <a:chOff x="0" y="0"/>
+          <a:chExt cx="0" cy="0"/>
+        </a:xfrm>
+      </p:grpSpPr>
+      <p:sp>
+        <p:nvSpPr>
+          <p:cNvPr id="2" name="Título 1">
+            <a:extLst>
+              <a:ext uri="{FF2B5EF4-FFF2-40B4-BE49-F238E27FC236}">
+                <a16:creationId xmlns:a16="http://schemas.microsoft.com/office/drawing/2014/main" id="{148D04A5-076B-4C1F-B503-47153677CF4F}"/>
+              </a:ext>
+            </a:extLst>
+          </p:cNvPr>
+          <p:cNvSpPr>
+            <a:spLocks noGrp="1"/>
+          </p:cNvSpPr>
+          <p:nvPr>
+            <p:ph type="title"/>
+          </p:nvPr>
+        </p:nvSpPr>
+        <p:spPr/>
+        <p:txBody>
+          <a:bodyPr/>
+          <a:lstStyle/>
+          <a:p>
+            <a:endParaRPr lang="pt-PT"/>
+          </a:p>
+        </p:txBody>
+      </p:sp>
+      <p:sp>
+        <p:nvSpPr>
+          <p:cNvPr id="3" name="Marcador de Posição de Conteúdo 2">
+            <a:extLst>
+              <a:ext uri="{FF2B5EF4-FFF2-40B4-BE49-F238E27FC236}">
+                <a16:creationId xmlns:a16="http://schemas.microsoft.com/office/drawing/2014/main" id="{A7731E06-EB2E-4690-80F0-DBB39A5FEF89}"/>
+              </a:ext>
+            </a:extLst>
+          </p:cNvPr>
+          <p:cNvSpPr>
+            <a:spLocks noGrp="1"/>
+          </p:cNvSpPr>
+          <p:nvPr>
+            <p:ph idx="1"/>
+          </p:nvPr>
+        </p:nvSpPr>
+        <p:spPr/>
+        <p:txBody>
+          <a:bodyPr/>
+          <a:lstStyle/>
+          <a:p>
+            <a:endParaRPr lang="pt-PT"/>
+          </a:p>
+        </p:txBody>
+      </p:sp>
+    </p:spTree>
+    <p:extLst>
+      <p:ext uri="{BB962C8B-B14F-4D97-AF65-F5344CB8AC3E}">
+        <p14:creationId xmlns:p14="http://schemas.microsoft.com/office/powerpoint/2010/main" val="2077545087"/>
+      </p:ext>
+    </p:extLst>
+  </p:cSld>
+  <p:clrMapOvr>
+    <a:masterClrMapping/>
+  </p:clrMapOvr>
+</p:sld>
+</file>
+
+<file path=ppt/slides/slide13.xml><?xml version="1.0" encoding="utf-8"?>
+<p:sld xmlns:a="http://schemas.openxmlformats.org/drawingml/2006/main" xmlns:r="http://schemas.openxmlformats.org/officeDocument/2006/relationships" xmlns:p="http://schemas.openxmlformats.org/presentationml/2006/main">
+  <p:cSld>
+    <p:spTree>
+      <p:nvGrpSpPr>
+        <p:cNvPr id="1" name=""/>
+        <p:cNvGrpSpPr/>
+        <p:nvPr/>
+      </p:nvGrpSpPr>
+      <p:grpSpPr>
+        <a:xfrm>
+          <a:off x="0" y="0"/>
+          <a:ext cx="0" cy="0"/>
+          <a:chOff x="0" y="0"/>
+          <a:chExt cx="0" cy="0"/>
+        </a:xfrm>
+      </p:grpSpPr>
+      <p:sp>
+        <p:nvSpPr>
+          <p:cNvPr id="2" name="Título 1">
+            <a:extLst>
+              <a:ext uri="{FF2B5EF4-FFF2-40B4-BE49-F238E27FC236}">
+                <a16:creationId xmlns:a16="http://schemas.microsoft.com/office/drawing/2014/main" id="{A64C9F0B-C703-4831-A935-2CAE9B142368}"/>
+              </a:ext>
+            </a:extLst>
+          </p:cNvPr>
+          <p:cNvSpPr>
+            <a:spLocks noGrp="1"/>
+          </p:cNvSpPr>
+          <p:nvPr>
+            <p:ph type="title"/>
+          </p:nvPr>
+        </p:nvSpPr>
+        <p:spPr/>
+        <p:txBody>
+          <a:bodyPr/>
+          <a:lstStyle/>
+          <a:p>
+            <a:endParaRPr lang="pt-PT"/>
+          </a:p>
+        </p:txBody>
+      </p:sp>
+      <p:sp>
+        <p:nvSpPr>
+          <p:cNvPr id="3" name="Marcador de Posição de Conteúdo 2">
+            <a:extLst>
+              <a:ext uri="{FF2B5EF4-FFF2-40B4-BE49-F238E27FC236}">
+                <a16:creationId xmlns:a16="http://schemas.microsoft.com/office/drawing/2014/main" id="{3165102D-9B9A-4120-BEB7-803676965205}"/>
+              </a:ext>
+            </a:extLst>
+          </p:cNvPr>
+          <p:cNvSpPr>
+            <a:spLocks noGrp="1"/>
+          </p:cNvSpPr>
+          <p:nvPr>
+            <p:ph idx="1"/>
+          </p:nvPr>
+        </p:nvSpPr>
+        <p:spPr/>
+        <p:txBody>
+          <a:bodyPr/>
+          <a:lstStyle/>
+          <a:p>
+            <a:endParaRPr lang="pt-PT"/>
+          </a:p>
+        </p:txBody>
+      </p:sp>
+    </p:spTree>
+    <p:extLst>
+      <p:ext uri="{BB962C8B-B14F-4D97-AF65-F5344CB8AC3E}">
+        <p14:creationId xmlns:p14="http://schemas.microsoft.com/office/powerpoint/2010/main" val="2040459682"/>
+      </p:ext>
+    </p:extLst>
+  </p:cSld>
+  <p:clrMapOvr>
+    <a:masterClrMapping/>
+  </p:clrMapOvr>
+</p:sld>
+</file>
+
+<file path=ppt/slides/slide14.xml><?xml version="1.0" encoding="utf-8"?>
+<p:sld xmlns:a="http://schemas.openxmlformats.org/drawingml/2006/main" xmlns:r="http://schemas.openxmlformats.org/officeDocument/2006/relationships" xmlns:p="http://schemas.openxmlformats.org/presentationml/2006/main">
+  <p:cSld>
+    <p:spTree>
+      <p:nvGrpSpPr>
+        <p:cNvPr id="1" name=""/>
+        <p:cNvGrpSpPr/>
+        <p:nvPr/>
+      </p:nvGrpSpPr>
+      <p:grpSpPr>
+        <a:xfrm>
+          <a:off x="0" y="0"/>
+          <a:ext cx="0" cy="0"/>
+          <a:chOff x="0" y="0"/>
+          <a:chExt cx="0" cy="0"/>
+        </a:xfrm>
+      </p:grpSpPr>
+      <p:sp>
+        <p:nvSpPr>
+          <p:cNvPr id="2" name="Título 1">
+            <a:extLst>
+              <a:ext uri="{FF2B5EF4-FFF2-40B4-BE49-F238E27FC236}">
+                <a16:creationId xmlns:a16="http://schemas.microsoft.com/office/drawing/2014/main" id="{EA4E41B3-18C2-4B0B-AC94-E0B86872650B}"/>
+              </a:ext>
+            </a:extLst>
+          </p:cNvPr>
+          <p:cNvSpPr>
+            <a:spLocks noGrp="1"/>
+          </p:cNvSpPr>
+          <p:nvPr>
+            <p:ph type="title"/>
+          </p:nvPr>
+        </p:nvSpPr>
+        <p:spPr/>
+        <p:txBody>
+          <a:bodyPr/>
+          <a:lstStyle/>
+          <a:p>
+            <a:endParaRPr lang="pt-PT"/>
+          </a:p>
+        </p:txBody>
+      </p:sp>
+      <p:sp>
+        <p:nvSpPr>
+          <p:cNvPr id="3" name="Marcador de Posição de Conteúdo 2">
+            <a:extLst>
+              <a:ext uri="{FF2B5EF4-FFF2-40B4-BE49-F238E27FC236}">
+                <a16:creationId xmlns:a16="http://schemas.microsoft.com/office/drawing/2014/main" id="{3DB3C0E9-6FFA-4C30-8065-A1EC7140EAD2}"/>
+              </a:ext>
+            </a:extLst>
+          </p:cNvPr>
+          <p:cNvSpPr>
+            <a:spLocks noGrp="1"/>
+          </p:cNvSpPr>
+          <p:nvPr>
+            <p:ph idx="1"/>
+          </p:nvPr>
+        </p:nvSpPr>
+        <p:spPr/>
+        <p:txBody>
+          <a:bodyPr/>
+          <a:lstStyle/>
+          <a:p>
+            <a:endParaRPr lang="pt-PT"/>
+          </a:p>
+        </p:txBody>
+      </p:sp>
+    </p:spTree>
+    <p:extLst>
+      <p:ext uri="{BB962C8B-B14F-4D97-AF65-F5344CB8AC3E}">
+        <p14:creationId xmlns:p14="http://schemas.microsoft.com/office/powerpoint/2010/main" val="2814544626"/>
+      </p:ext>
+    </p:extLst>
+  </p:cSld>
+  <p:clrMapOvr>
+    <a:masterClrMapping/>
+  </p:clrMapOvr>
+</p:sld>
+</file>
+
 <file path=ppt/slides/slide2.xml><?xml version="1.0" encoding="utf-8"?>
 <p:sld xmlns:a="http://schemas.openxmlformats.org/drawingml/2006/main" xmlns:r="http://schemas.openxmlformats.org/officeDocument/2006/relationships" xmlns:p="http://schemas.openxmlformats.org/presentationml/2006/main">
   <p:cSld>
@@ -4721,7 +5298,7 @@
         </p:nvSpPr>
         <p:spPr>
           <a:xfrm rot="16200000">
-            <a:off x="4554252" y="1273946"/>
+            <a:off x="3666356" y="2175094"/>
             <a:ext cx="3081190" cy="1219910"/>
           </a:xfrm>
           <a:prstGeom prst="rect">
@@ -4772,7 +5349,7 @@
         </p:nvGrpSpPr>
         <p:grpSpPr>
           <a:xfrm>
-            <a:off x="5578132" y="805476"/>
+            <a:off x="4690236" y="1706624"/>
             <a:ext cx="1044438" cy="968757"/>
             <a:chOff x="7613382" y="2918695"/>
             <a:chExt cx="2505425" cy="2286319"/>
@@ -4859,7 +5436,7 @@
         </p:nvSpPr>
         <p:spPr>
           <a:xfrm rot="16200000">
-            <a:off x="5295052" y="1753058"/>
+            <a:off x="4407156" y="2654206"/>
             <a:ext cx="3081191" cy="261689"/>
           </a:xfrm>
           <a:prstGeom prst="rect">
@@ -4908,7 +5485,7 @@
         </p:nvSpPr>
         <p:spPr>
           <a:xfrm rot="16200000">
-            <a:off x="3815759" y="1753057"/>
+            <a:off x="2927863" y="2654205"/>
             <a:ext cx="3081191" cy="261689"/>
           </a:xfrm>
           <a:prstGeom prst="rect">
@@ -4957,7 +5534,7 @@
         </p:nvGrpSpPr>
         <p:grpSpPr>
           <a:xfrm>
-            <a:off x="5225510" y="3464057"/>
+            <a:off x="4337614" y="4365205"/>
             <a:ext cx="1740981" cy="1278272"/>
             <a:chOff x="4036833" y="3821014"/>
             <a:chExt cx="4018933" cy="3075980"/>
@@ -5333,7 +5910,7 @@
         </p:nvGrpSpPr>
         <p:grpSpPr>
           <a:xfrm>
-            <a:off x="5586808" y="2348360"/>
+            <a:off x="4698912" y="3249508"/>
             <a:ext cx="1044438" cy="968757"/>
             <a:chOff x="1373946" y="2945589"/>
             <a:chExt cx="2505425" cy="2257740"/>
@@ -5420,7 +5997,7 @@
         </p:nvGrpSpPr>
         <p:grpSpPr>
           <a:xfrm>
-            <a:off x="5972047" y="4701938"/>
+            <a:off x="5084151" y="5603086"/>
             <a:ext cx="268109" cy="636724"/>
             <a:chOff x="5972047" y="4935026"/>
             <a:chExt cx="268109" cy="636724"/>
@@ -5594,7 +6171,7 @@
         </p:nvSpPr>
         <p:spPr>
           <a:xfrm>
-            <a:off x="7026537" y="3648186"/>
+            <a:off x="6138641" y="4549334"/>
             <a:ext cx="3396014" cy="882593"/>
           </a:xfrm>
           <a:prstGeom prst="rect">
@@ -5645,7 +6222,7 @@
         </p:nvGrpSpPr>
         <p:grpSpPr>
           <a:xfrm rot="5400000">
-            <a:off x="7479729" y="2607726"/>
+            <a:off x="6591833" y="3508874"/>
             <a:ext cx="639261" cy="616789"/>
             <a:chOff x="2079812" y="1685367"/>
             <a:chExt cx="1497106" cy="1595715"/>
@@ -5761,7 +6338,7 @@
         </p:nvGrpSpPr>
         <p:grpSpPr>
           <a:xfrm>
-            <a:off x="7286330" y="3551580"/>
+            <a:off x="6398434" y="4452728"/>
             <a:ext cx="1017286" cy="1038687"/>
             <a:chOff x="1373946" y="2945589"/>
             <a:chExt cx="2505425" cy="2257740"/>
@@ -5852,7 +6429,7 @@
         </p:nvGrpSpPr>
         <p:grpSpPr>
           <a:xfrm>
-            <a:off x="8642899" y="3551580"/>
+            <a:off x="7755003" y="4452728"/>
             <a:ext cx="1017286" cy="1051835"/>
             <a:chOff x="7613382" y="2918695"/>
             <a:chExt cx="2505425" cy="2286319"/>
@@ -5947,7 +6524,7 @@
         </p:nvSpPr>
         <p:spPr>
           <a:xfrm>
-            <a:off x="7026536" y="4530779"/>
+            <a:off x="6138640" y="5431927"/>
             <a:ext cx="3396015" cy="189330"/>
           </a:xfrm>
           <a:prstGeom prst="rect">
@@ -5996,7 +6573,7 @@
         </p:nvSpPr>
         <p:spPr>
           <a:xfrm>
-            <a:off x="7026537" y="3460525"/>
+            <a:off x="6138641" y="4361673"/>
             <a:ext cx="3396014" cy="189330"/>
           </a:xfrm>
           <a:prstGeom prst="rect">
@@ -6045,7 +6622,7 @@
         </p:nvSpPr>
         <p:spPr>
           <a:xfrm rot="10800000">
-            <a:off x="7275752" y="3259022"/>
+            <a:off x="6387856" y="4160170"/>
             <a:ext cx="1036638" cy="1226390"/>
           </a:xfrm>
           <a:prstGeom prst="flowChartManualOperation">
@@ -6076,6 +6653,441 @@
           <a:p>
             <a:pPr algn="ctr"/>
             <a:endParaRPr lang="pt-PT"/>
+          </a:p>
+        </p:txBody>
+      </p:sp>
+      <p:sp>
+        <p:nvSpPr>
+          <p:cNvPr id="42" name="Seta: Para a Esquerda 41">
+            <a:extLst>
+              <a:ext uri="{FF2B5EF4-FFF2-40B4-BE49-F238E27FC236}">
+                <a16:creationId xmlns:a16="http://schemas.microsoft.com/office/drawing/2014/main" id="{46CB8A93-535F-4CCD-9F7A-48D2FB597327}"/>
+              </a:ext>
+            </a:extLst>
+          </p:cNvPr>
+          <p:cNvSpPr/>
+          <p:nvPr/>
+        </p:nvSpPr>
+        <p:spPr>
+          <a:xfrm rot="5400000">
+            <a:off x="4906427" y="593778"/>
+            <a:ext cx="673451" cy="533930"/>
+          </a:xfrm>
+          <a:prstGeom prst="leftArrow">
+            <a:avLst/>
+          </a:prstGeom>
+        </p:spPr>
+        <p:style>
+          <a:lnRef idx="2">
+            <a:schemeClr val="dk1"/>
+          </a:lnRef>
+          <a:fillRef idx="1">
+            <a:schemeClr val="lt1"/>
+          </a:fillRef>
+          <a:effectRef idx="0">
+            <a:schemeClr val="dk1"/>
+          </a:effectRef>
+          <a:fontRef idx="minor">
+            <a:schemeClr val="dk1"/>
+          </a:fontRef>
+        </p:style>
+        <p:txBody>
+          <a:bodyPr rtlCol="0" anchor="ctr"/>
+          <a:lstStyle/>
+          <a:p>
+            <a:pPr algn="ctr"/>
+            <a:endParaRPr lang="pt-PT"/>
+          </a:p>
+        </p:txBody>
+      </p:sp>
+      <p:sp>
+        <p:nvSpPr>
+          <p:cNvPr id="43" name="Seta: Para a Esquerda 42">
+            <a:extLst>
+              <a:ext uri="{FF2B5EF4-FFF2-40B4-BE49-F238E27FC236}">
+                <a16:creationId xmlns:a16="http://schemas.microsoft.com/office/drawing/2014/main" id="{66D2F6E1-D4D7-43CF-9157-715FAA1A1494}"/>
+              </a:ext>
+            </a:extLst>
+          </p:cNvPr>
+          <p:cNvSpPr/>
+          <p:nvPr/>
+        </p:nvSpPr>
+        <p:spPr>
+          <a:xfrm>
+            <a:off x="9715201" y="4723665"/>
+            <a:ext cx="673451" cy="533930"/>
+          </a:xfrm>
+          <a:prstGeom prst="leftArrow">
+            <a:avLst/>
+          </a:prstGeom>
+        </p:spPr>
+        <p:style>
+          <a:lnRef idx="2">
+            <a:schemeClr val="dk1"/>
+          </a:lnRef>
+          <a:fillRef idx="1">
+            <a:schemeClr val="lt1"/>
+          </a:fillRef>
+          <a:effectRef idx="0">
+            <a:schemeClr val="dk1"/>
+          </a:effectRef>
+          <a:fontRef idx="minor">
+            <a:schemeClr val="dk1"/>
+          </a:fontRef>
+        </p:style>
+        <p:txBody>
+          <a:bodyPr rtlCol="0" anchor="ctr"/>
+          <a:lstStyle/>
+          <a:p>
+            <a:pPr algn="ctr"/>
+            <a:endParaRPr lang="pt-PT"/>
+          </a:p>
+        </p:txBody>
+      </p:sp>
+      <p:sp>
+        <p:nvSpPr>
+          <p:cNvPr id="3" name="CaixaDeTexto 2">
+            <a:extLst>
+              <a:ext uri="{FF2B5EF4-FFF2-40B4-BE49-F238E27FC236}">
+                <a16:creationId xmlns:a16="http://schemas.microsoft.com/office/drawing/2014/main" id="{0766D91B-E719-4E52-AB3F-D5EC16E9A560}"/>
+              </a:ext>
+            </a:extLst>
+          </p:cNvPr>
+          <p:cNvSpPr txBox="1"/>
+          <p:nvPr/>
+        </p:nvSpPr>
+        <p:spPr>
+          <a:xfrm>
+            <a:off x="2926148" y="5017229"/>
+            <a:ext cx="1343053" cy="369332"/>
+          </a:xfrm>
+          <a:prstGeom prst="rect">
+            <a:avLst/>
+          </a:prstGeom>
+          <a:noFill/>
+          <a:ln>
+            <a:noFill/>
+          </a:ln>
+        </p:spPr>
+        <p:txBody>
+          <a:bodyPr wrap="square" rtlCol="0">
+            <a:spAutoFit/>
+          </a:bodyPr>
+          <a:lstStyle/>
+          <a:p>
+            <a:r>
+              <a:rPr lang="pt-PT" dirty="0"/>
+              <a:t>Perfuradora</a:t>
+            </a:r>
+          </a:p>
+        </p:txBody>
+      </p:sp>
+      <p:sp>
+        <p:nvSpPr>
+          <p:cNvPr id="44" name="CaixaDeTexto 43">
+            <a:extLst>
+              <a:ext uri="{FF2B5EF4-FFF2-40B4-BE49-F238E27FC236}">
+                <a16:creationId xmlns:a16="http://schemas.microsoft.com/office/drawing/2014/main" id="{1669DE20-3EB3-4DC4-AF55-4FC9294ADC86}"/>
+              </a:ext>
+            </a:extLst>
+          </p:cNvPr>
+          <p:cNvSpPr txBox="1"/>
+          <p:nvPr/>
+        </p:nvSpPr>
+        <p:spPr>
+          <a:xfrm>
+            <a:off x="2926148" y="2785049"/>
+            <a:ext cx="1343053" cy="369332"/>
+          </a:xfrm>
+          <a:prstGeom prst="rect">
+            <a:avLst/>
+          </a:prstGeom>
+          <a:noFill/>
+          <a:ln>
+            <a:noFill/>
+          </a:ln>
+        </p:spPr>
+        <p:txBody>
+          <a:bodyPr wrap="square" rtlCol="0">
+            <a:spAutoFit/>
+          </a:bodyPr>
+          <a:lstStyle/>
+          <a:p>
+            <a:r>
+              <a:rPr lang="pt-PT" dirty="0" err="1"/>
+              <a:t>Conveyor</a:t>
+            </a:r>
+            <a:r>
+              <a:rPr lang="pt-PT" dirty="0"/>
+              <a:t> 2</a:t>
+            </a:r>
+          </a:p>
+        </p:txBody>
+      </p:sp>
+      <p:sp>
+        <p:nvSpPr>
+          <p:cNvPr id="45" name="CaixaDeTexto 44">
+            <a:extLst>
+              <a:ext uri="{FF2B5EF4-FFF2-40B4-BE49-F238E27FC236}">
+                <a16:creationId xmlns:a16="http://schemas.microsoft.com/office/drawing/2014/main" id="{A386515C-9B79-4A4F-988B-6A6AE42FB644}"/>
+              </a:ext>
+            </a:extLst>
+          </p:cNvPr>
+          <p:cNvSpPr txBox="1"/>
+          <p:nvPr/>
+        </p:nvSpPr>
+        <p:spPr>
+          <a:xfrm>
+            <a:off x="7077972" y="5740651"/>
+            <a:ext cx="1343053" cy="369332"/>
+          </a:xfrm>
+          <a:prstGeom prst="rect">
+            <a:avLst/>
+          </a:prstGeom>
+          <a:noFill/>
+          <a:ln>
+            <a:noFill/>
+          </a:ln>
+        </p:spPr>
+        <p:txBody>
+          <a:bodyPr wrap="square" rtlCol="0">
+            <a:spAutoFit/>
+          </a:bodyPr>
+          <a:lstStyle/>
+          <a:p>
+            <a:r>
+              <a:rPr lang="pt-PT" dirty="0" err="1"/>
+              <a:t>Conveyor</a:t>
+            </a:r>
+            <a:r>
+              <a:rPr lang="pt-PT" dirty="0"/>
+              <a:t> 1</a:t>
+            </a:r>
+          </a:p>
+        </p:txBody>
+      </p:sp>
+      <p:sp>
+        <p:nvSpPr>
+          <p:cNvPr id="46" name="CaixaDeTexto 45">
+            <a:extLst>
+              <a:ext uri="{FF2B5EF4-FFF2-40B4-BE49-F238E27FC236}">
+                <a16:creationId xmlns:a16="http://schemas.microsoft.com/office/drawing/2014/main" id="{1D568710-6C6E-41B6-BB88-44661F333D8C}"/>
+              </a:ext>
+            </a:extLst>
+          </p:cNvPr>
+          <p:cNvSpPr txBox="1"/>
+          <p:nvPr/>
+        </p:nvSpPr>
+        <p:spPr>
+          <a:xfrm>
+            <a:off x="6423588" y="3055670"/>
+            <a:ext cx="1343053" cy="369332"/>
+          </a:xfrm>
+          <a:prstGeom prst="rect">
+            <a:avLst/>
+          </a:prstGeom>
+          <a:noFill/>
+          <a:ln>
+            <a:noFill/>
+          </a:ln>
+        </p:spPr>
+        <p:txBody>
+          <a:bodyPr wrap="square" rtlCol="0">
+            <a:spAutoFit/>
+          </a:bodyPr>
+          <a:lstStyle/>
+          <a:p>
+            <a:r>
+              <a:rPr lang="pt-PT" dirty="0"/>
+              <a:t>Câmera</a:t>
+            </a:r>
+          </a:p>
+        </p:txBody>
+      </p:sp>
+      <p:sp>
+        <p:nvSpPr>
+          <p:cNvPr id="13" name="Retângulo: Cantos Arredondados 12">
+            <a:extLst>
+              <a:ext uri="{FF2B5EF4-FFF2-40B4-BE49-F238E27FC236}">
+                <a16:creationId xmlns:a16="http://schemas.microsoft.com/office/drawing/2014/main" id="{D7C0707F-483B-4263-92A8-EBC285268646}"/>
+              </a:ext>
+            </a:extLst>
+          </p:cNvPr>
+          <p:cNvSpPr/>
+          <p:nvPr/>
+        </p:nvSpPr>
+        <p:spPr>
+          <a:xfrm>
+            <a:off x="3707842" y="5685303"/>
+            <a:ext cx="422031" cy="755690"/>
+          </a:xfrm>
+          <a:prstGeom prst="roundRect">
+            <a:avLst/>
+          </a:prstGeom>
+          <a:solidFill>
+            <a:schemeClr val="bg1">
+              <a:lumMod val="65000"/>
+            </a:schemeClr>
+          </a:solidFill>
+        </p:spPr>
+        <p:style>
+          <a:lnRef idx="2">
+            <a:schemeClr val="accent1">
+              <a:shade val="50000"/>
+            </a:schemeClr>
+          </a:lnRef>
+          <a:fillRef idx="1">
+            <a:schemeClr val="accent1"/>
+          </a:fillRef>
+          <a:effectRef idx="0">
+            <a:schemeClr val="accent1"/>
+          </a:effectRef>
+          <a:fontRef idx="minor">
+            <a:schemeClr val="lt1"/>
+          </a:fontRef>
+        </p:style>
+        <p:txBody>
+          <a:bodyPr rtlCol="0" anchor="ctr"/>
+          <a:lstStyle/>
+          <a:p>
+            <a:pPr algn="ctr"/>
+            <a:endParaRPr lang="pt-PT"/>
+          </a:p>
+        </p:txBody>
+      </p:sp>
+      <p:sp>
+        <p:nvSpPr>
+          <p:cNvPr id="14" name="Oval 13">
+            <a:extLst>
+              <a:ext uri="{FF2B5EF4-FFF2-40B4-BE49-F238E27FC236}">
+                <a16:creationId xmlns:a16="http://schemas.microsoft.com/office/drawing/2014/main" id="{C5019187-2B85-417C-B026-E8DBE3756B63}"/>
+              </a:ext>
+            </a:extLst>
+          </p:cNvPr>
+          <p:cNvSpPr/>
+          <p:nvPr/>
+        </p:nvSpPr>
+        <p:spPr>
+          <a:xfrm>
+            <a:off x="3808324" y="5740651"/>
+            <a:ext cx="221063" cy="298408"/>
+          </a:xfrm>
+          <a:prstGeom prst="ellipse">
+            <a:avLst/>
+          </a:prstGeom>
+          <a:solidFill>
+            <a:srgbClr val="00B050"/>
+          </a:solidFill>
+        </p:spPr>
+        <p:style>
+          <a:lnRef idx="2">
+            <a:schemeClr val="accent1">
+              <a:shade val="50000"/>
+            </a:schemeClr>
+          </a:lnRef>
+          <a:fillRef idx="1">
+            <a:schemeClr val="accent1"/>
+          </a:fillRef>
+          <a:effectRef idx="0">
+            <a:schemeClr val="accent1"/>
+          </a:effectRef>
+          <a:fontRef idx="minor">
+            <a:schemeClr val="lt1"/>
+          </a:fontRef>
+        </p:style>
+        <p:txBody>
+          <a:bodyPr rtlCol="0" anchor="ctr"/>
+          <a:lstStyle/>
+          <a:p>
+            <a:pPr algn="ctr"/>
+            <a:endParaRPr lang="pt-PT"/>
+          </a:p>
+        </p:txBody>
+      </p:sp>
+      <p:sp>
+        <p:nvSpPr>
+          <p:cNvPr id="47" name="Oval 46">
+            <a:extLst>
+              <a:ext uri="{FF2B5EF4-FFF2-40B4-BE49-F238E27FC236}">
+                <a16:creationId xmlns:a16="http://schemas.microsoft.com/office/drawing/2014/main" id="{BD3A0B86-6A54-49C4-A5DE-B390A6E27464}"/>
+              </a:ext>
+            </a:extLst>
+          </p:cNvPr>
+          <p:cNvSpPr/>
+          <p:nvPr/>
+        </p:nvSpPr>
+        <p:spPr>
+          <a:xfrm>
+            <a:off x="3808325" y="6115324"/>
+            <a:ext cx="221063" cy="298408"/>
+          </a:xfrm>
+          <a:prstGeom prst="ellipse">
+            <a:avLst/>
+          </a:prstGeom>
+          <a:solidFill>
+            <a:srgbClr val="FF0000"/>
+          </a:solidFill>
+        </p:spPr>
+        <p:style>
+          <a:lnRef idx="2">
+            <a:schemeClr val="accent1">
+              <a:shade val="50000"/>
+            </a:schemeClr>
+          </a:lnRef>
+          <a:fillRef idx="1">
+            <a:schemeClr val="accent1"/>
+          </a:fillRef>
+          <a:effectRef idx="0">
+            <a:schemeClr val="accent1"/>
+          </a:effectRef>
+          <a:fontRef idx="minor">
+            <a:schemeClr val="lt1"/>
+          </a:fontRef>
+        </p:style>
+        <p:txBody>
+          <a:bodyPr rtlCol="0" anchor="ctr"/>
+          <a:lstStyle/>
+          <a:p>
+            <a:pPr algn="ctr"/>
+            <a:endParaRPr lang="pt-PT"/>
+          </a:p>
+        </p:txBody>
+      </p:sp>
+      <p:sp>
+        <p:nvSpPr>
+          <p:cNvPr id="48" name="CaixaDeTexto 47">
+            <a:extLst>
+              <a:ext uri="{FF2B5EF4-FFF2-40B4-BE49-F238E27FC236}">
+                <a16:creationId xmlns:a16="http://schemas.microsoft.com/office/drawing/2014/main" id="{3CB0B248-AA0C-4200-B0A7-04D533C9E005}"/>
+              </a:ext>
+            </a:extLst>
+          </p:cNvPr>
+          <p:cNvSpPr txBox="1"/>
+          <p:nvPr/>
+        </p:nvSpPr>
+        <p:spPr>
+          <a:xfrm>
+            <a:off x="2459147" y="6127009"/>
+            <a:ext cx="1343053" cy="369332"/>
+          </a:xfrm>
+          <a:prstGeom prst="rect">
+            <a:avLst/>
+          </a:prstGeom>
+          <a:noFill/>
+          <a:ln>
+            <a:noFill/>
+          </a:ln>
+        </p:spPr>
+        <p:txBody>
+          <a:bodyPr wrap="square" rtlCol="0">
+            <a:spAutoFit/>
+          </a:bodyPr>
+          <a:lstStyle/>
+          <a:p>
+            <a:r>
+              <a:rPr lang="pt-PT" dirty="0"/>
+              <a:t>Botoneira</a:t>
+            </a:r>
           </a:p>
         </p:txBody>
       </p:sp>
